--- a/презентация_pygame.pptx
+++ b/презентация_pygame.pptx
@@ -7,10 +7,13 @@
   </p:sldMasterIdLst>
   <p:sldIdLst>
     <p:sldId id="256" r:id="rId3"/>
-    <p:sldId id="257" r:id="rId4"/>
-    <p:sldId id="258" r:id="rId5"/>
+    <p:sldId id="258" r:id="rId4"/>
+    <p:sldId id="257" r:id="rId5"/>
     <p:sldId id="259" r:id="rId6"/>
-    <p:sldId id="260" r:id="rId7"/>
+    <p:sldId id="262" r:id="rId7"/>
+    <p:sldId id="261" r:id="rId8"/>
+    <p:sldId id="263" r:id="rId9"/>
+    <p:sldId id="260" r:id="rId10"/>
   </p:sldIdLst>
   <p:sldSz cx="12192000" cy="6858000"/>
   <p:notesSz cx="6858000" cy="9144000"/>
@@ -110,8 +113,28 @@
     </a:lvl9pPr>
   </p:defaultTextStyle>
   <p:extLst>
+    <p:ext uri="{521415D9-36F7-43E2-AB2F-B90AF26B5E84}">
+      <p14:sectionLst xmlns:p14="http://schemas.microsoft.com/office/powerpoint/2010/main">
+        <p14:section name="Раздел по умолчанию" id="{137C605A-112F-4204-9817-1237A05A0523}">
+          <p14:sldIdLst>
+            <p14:sldId id="256"/>
+            <p14:sldId id="258"/>
+            <p14:sldId id="257"/>
+          </p14:sldIdLst>
+        </p14:section>
+        <p14:section name="Раздел без заголовка" id="{56085F91-B8FE-49B4-9834-DBEEED9D0295}">
+          <p14:sldIdLst>
+            <p14:sldId id="259"/>
+            <p14:sldId id="262"/>
+            <p14:sldId id="261"/>
+            <p14:sldId id="263"/>
+            <p14:sldId id="260"/>
+          </p14:sldIdLst>
+        </p14:section>
+      </p14:sectionLst>
+    </p:ext>
     <p:ext uri="{EFAFB233-063F-42B5-8137-9DF3F51BA10A}">
-      <p15:sldGuideLst xmlns:p15="http://schemas.microsoft.com/office/powerpoint/2012/main"/>
+      <p15:sldGuideLst xmlns:p15="http://schemas.microsoft.com/office/powerpoint/2012/main" xmlns=""/>
     </p:ext>
   </p:extLst>
 </p:presentation>
@@ -6593,21 +6616,7 @@
                 <a:latin typeface="Times New Roman" panose="02020603050405020304" pitchFamily="18" charset="0"/>
                 <a:cs typeface="Times New Roman" panose="02020603050405020304" pitchFamily="18" charset="0"/>
               </a:rPr>
-              <a:t>Создана </a:t>
-            </a:r>
-            <a:r>
-              <a:rPr lang="ru-RU" sz="2800" i="1" dirty="0" smtClean="0">
-                <a:effectLst>
-                  <a:outerShdw blurRad="38100" dist="38100" dir="2700000" algn="tl">
-                    <a:srgbClr val="000000">
-                      <a:alpha val="43137"/>
-                    </a:srgbClr>
-                  </a:outerShdw>
-                </a:effectLst>
-                <a:latin typeface="Times New Roman" panose="02020603050405020304" pitchFamily="18" charset="0"/>
-                <a:cs typeface="Times New Roman" panose="02020603050405020304" pitchFamily="18" charset="0"/>
-              </a:rPr>
-              <a:t>Михаилом</a:t>
+              <a:t>Создана Михаилом</a:t>
             </a:r>
           </a:p>
           <a:p>
@@ -6637,21 +6646,7 @@
                 <a:latin typeface="Times New Roman" panose="02020603050405020304" pitchFamily="18" charset="0"/>
                 <a:cs typeface="Times New Roman" panose="02020603050405020304" pitchFamily="18" charset="0"/>
               </a:rPr>
-              <a:t>Яндекс лицей 2 курс</a:t>
-            </a:r>
-            <a:r>
-              <a:rPr lang="ru-RU" sz="2800" i="1" dirty="0" smtClean="0">
-                <a:effectLst>
-                  <a:outerShdw blurRad="38100" dist="38100" dir="2700000" algn="tl">
-                    <a:srgbClr val="000000">
-                      <a:alpha val="43137"/>
-                    </a:srgbClr>
-                  </a:outerShdw>
-                </a:effectLst>
-                <a:latin typeface="Times New Roman" panose="02020603050405020304" pitchFamily="18" charset="0"/>
-                <a:cs typeface="Times New Roman" panose="02020603050405020304" pitchFamily="18" charset="0"/>
-              </a:rPr>
-              <a:t> </a:t>
+              <a:t>Яндекс лицей 2 курс </a:t>
             </a:r>
             <a:endParaRPr lang="ru-RU" sz="2800" i="1" dirty="0">
               <a:effectLst>
@@ -6728,13 +6723,13 @@
         </p:nvSpPr>
         <p:spPr>
           <a:xfrm>
-            <a:off x="2289324" y="532430"/>
+            <a:off x="2215371" y="286774"/>
             <a:ext cx="7729728" cy="1188720"/>
           </a:xfrm>
         </p:spPr>
         <p:txBody>
           <a:bodyPr>
-            <a:normAutofit/>
+            <a:noAutofit/>
           </a:bodyPr>
           <a:lstStyle/>
           <a:p>
@@ -6750,7 +6745,7 @@
                 <a:latin typeface="Times New Roman" panose="02020603050405020304" pitchFamily="18" charset="0"/>
                 <a:cs typeface="Times New Roman" panose="02020603050405020304" pitchFamily="18" charset="0"/>
               </a:rPr>
-              <a:t>Плюсы ПРОЕКТА</a:t>
+              <a:t>История возникновение идеи</a:t>
             </a:r>
             <a:endParaRPr lang="ru-RU" sz="3800" i="1" spc="600" dirty="0">
               <a:effectLst>
@@ -6778,49 +6773,32 @@
         </p:nvSpPr>
         <p:spPr>
           <a:xfrm>
-            <a:off x="925483" y="2618510"/>
-            <a:ext cx="10457411" cy="3395838"/>
+            <a:off x="540327" y="2446852"/>
+            <a:ext cx="10706793" cy="3748996"/>
           </a:xfrm>
         </p:spPr>
         <p:txBody>
           <a:bodyPr>
-            <a:normAutofit/>
+            <a:noAutofit/>
           </a:bodyPr>
           <a:lstStyle/>
           <a:p>
+            <a:pPr marL="0" indent="0">
+              <a:buNone/>
+            </a:pPr>
+            <a:r>
+              <a:rPr lang="ru-RU" sz="2800" dirty="0">
+                <a:latin typeface="Times New Roman" panose="02020603050405020304" pitchFamily="18" charset="0"/>
+                <a:cs typeface="Times New Roman" panose="02020603050405020304" pitchFamily="18" charset="0"/>
+              </a:rPr>
+              <a:t>Я</a:t>
+            </a:r>
             <a:r>
               <a:rPr lang="ru-RU" sz="2800" dirty="0" smtClean="0">
                 <a:latin typeface="Times New Roman" panose="02020603050405020304" pitchFamily="18" charset="0"/>
                 <a:cs typeface="Times New Roman" panose="02020603050405020304" pitchFamily="18" charset="0"/>
               </a:rPr>
-              <a:t>Развивает логику и улучшает умственные способности</a:t>
-            </a:r>
-          </a:p>
-          <a:p>
-            <a:r>
-              <a:rPr lang="ru-RU" sz="2800" dirty="0" smtClean="0">
-                <a:latin typeface="Times New Roman" panose="02020603050405020304" pitchFamily="18" charset="0"/>
-                <a:cs typeface="Times New Roman" panose="02020603050405020304" pitchFamily="18" charset="0"/>
-              </a:rPr>
-              <a:t>Помогает разгрузиться после тяжелого дня</a:t>
-            </a:r>
-          </a:p>
-          <a:p>
-            <a:r>
-              <a:rPr lang="ru-RU" sz="2800" dirty="0" smtClean="0">
-                <a:latin typeface="Times New Roman" panose="02020603050405020304" pitchFamily="18" charset="0"/>
-                <a:cs typeface="Times New Roman" panose="02020603050405020304" pitchFamily="18" charset="0"/>
-              </a:rPr>
-              <a:t>Повышает уровень счастья в человеке</a:t>
-            </a:r>
-          </a:p>
-          <a:p>
-            <a:r>
-              <a:rPr lang="ru-RU" sz="2800" dirty="0" smtClean="0">
-                <a:latin typeface="Times New Roman" panose="02020603050405020304" pitchFamily="18" charset="0"/>
-                <a:cs typeface="Times New Roman" panose="02020603050405020304" pitchFamily="18" charset="0"/>
-              </a:rPr>
-              <a:t>Не дает заскучать</a:t>
+              <a:t> хотел создать что то интересное</a:t>
             </a:r>
             <a:r>
               <a:rPr lang="en-US" sz="2800" dirty="0" smtClean="0">
@@ -6834,7 +6812,419 @@
                 <a:latin typeface="Times New Roman" panose="02020603050405020304" pitchFamily="18" charset="0"/>
                 <a:cs typeface="Times New Roman" panose="02020603050405020304" pitchFamily="18" charset="0"/>
               </a:rPr>
-              <a:t> пока не пройдешь ее полностью</a:t>
+              <a:t> но в  тоже время не слишком сложное</a:t>
+            </a:r>
+            <a:r>
+              <a:rPr lang="ru-RU" sz="2800" dirty="0">
+                <a:latin typeface="Times New Roman" panose="02020603050405020304" pitchFamily="18" charset="0"/>
+                <a:cs typeface="Times New Roman" panose="02020603050405020304" pitchFamily="18" charset="0"/>
+              </a:rPr>
+              <a:t> </a:t>
+            </a:r>
+            <a:r>
+              <a:rPr lang="ru-RU" sz="2800" dirty="0" smtClean="0">
+                <a:latin typeface="Times New Roman" panose="02020603050405020304" pitchFamily="18" charset="0"/>
+                <a:cs typeface="Times New Roman" panose="02020603050405020304" pitchFamily="18" charset="0"/>
+              </a:rPr>
+              <a:t>для </a:t>
+            </a:r>
+            <a:r>
+              <a:rPr lang="ru-RU" sz="2800" dirty="0" smtClean="0">
+                <a:latin typeface="Times New Roman" panose="02020603050405020304" pitchFamily="18" charset="0"/>
+                <a:cs typeface="Times New Roman" panose="02020603050405020304" pitchFamily="18" charset="0"/>
+              </a:rPr>
+              <a:t>прохождения</a:t>
+            </a:r>
+            <a:r>
+              <a:rPr lang="en-US" sz="2800" dirty="0" smtClean="0">
+                <a:latin typeface="Times New Roman" panose="02020603050405020304" pitchFamily="18" charset="0"/>
+                <a:cs typeface="Times New Roman" panose="02020603050405020304" pitchFamily="18" charset="0"/>
+              </a:rPr>
+              <a:t>.</a:t>
+            </a:r>
+            <a:r>
+              <a:rPr lang="ru-RU" sz="2800" dirty="0" smtClean="0">
+                <a:latin typeface="Times New Roman" panose="02020603050405020304" pitchFamily="18" charset="0"/>
+                <a:cs typeface="Times New Roman" panose="02020603050405020304" pitchFamily="18" charset="0"/>
+              </a:rPr>
+              <a:t> </a:t>
+            </a:r>
+            <a:r>
+              <a:rPr lang="ru-RU" sz="2800" dirty="0" smtClean="0">
+                <a:latin typeface="Times New Roman" panose="02020603050405020304" pitchFamily="18" charset="0"/>
+                <a:cs typeface="Times New Roman" panose="02020603050405020304" pitchFamily="18" charset="0"/>
+              </a:rPr>
+              <a:t>Для начала были варианты тем </a:t>
+            </a:r>
+            <a:r>
+              <a:rPr lang="ru-RU" sz="2800" dirty="0" smtClean="0">
+                <a:latin typeface="Times New Roman" panose="02020603050405020304" pitchFamily="18" charset="0"/>
+                <a:cs typeface="Times New Roman" panose="02020603050405020304" pitchFamily="18" charset="0"/>
+              </a:rPr>
+              <a:t>игры</a:t>
+            </a:r>
+            <a:r>
+              <a:rPr lang="en-US" sz="2800" dirty="0" smtClean="0">
+                <a:latin typeface="Times New Roman" panose="02020603050405020304" pitchFamily="18" charset="0"/>
+                <a:cs typeface="Times New Roman" panose="02020603050405020304" pitchFamily="18" charset="0"/>
+              </a:rPr>
+              <a:t>,</a:t>
+            </a:r>
+            <a:r>
+              <a:rPr lang="ru-RU" sz="2800" dirty="0" smtClean="0">
+                <a:latin typeface="Times New Roman" panose="02020603050405020304" pitchFamily="18" charset="0"/>
+                <a:cs typeface="Times New Roman" panose="02020603050405020304" pitchFamily="18" charset="0"/>
+              </a:rPr>
+              <a:t> такие как </a:t>
+            </a:r>
+            <a:r>
+              <a:rPr lang="en-US" sz="2800" i="1" dirty="0" smtClean="0">
+                <a:latin typeface="Times New Roman" panose="02020603050405020304" pitchFamily="18" charset="0"/>
+                <a:cs typeface="Times New Roman" panose="02020603050405020304" pitchFamily="18" charset="0"/>
+              </a:rPr>
+              <a:t>RPG</a:t>
+            </a:r>
+            <a:r>
+              <a:rPr lang="en-US" sz="2800" dirty="0" smtClean="0">
+                <a:latin typeface="Times New Roman" panose="02020603050405020304" pitchFamily="18" charset="0"/>
+                <a:cs typeface="Times New Roman" panose="02020603050405020304" pitchFamily="18" charset="0"/>
+              </a:rPr>
+              <a:t>,</a:t>
+            </a:r>
+            <a:r>
+              <a:rPr lang="ru-RU" sz="2800" dirty="0" smtClean="0">
+                <a:latin typeface="Times New Roman" panose="02020603050405020304" pitchFamily="18" charset="0"/>
+                <a:cs typeface="Times New Roman" panose="02020603050405020304" pitchFamily="18" charset="0"/>
+              </a:rPr>
+              <a:t> </a:t>
+            </a:r>
+            <a:r>
+              <a:rPr lang="ru-RU" sz="2800" i="1" dirty="0" smtClean="0">
+                <a:latin typeface="Times New Roman" panose="02020603050405020304" pitchFamily="18" charset="0"/>
+                <a:cs typeface="Times New Roman" panose="02020603050405020304" pitchFamily="18" charset="0"/>
+              </a:rPr>
+              <a:t>головоломка</a:t>
+            </a:r>
+            <a:r>
+              <a:rPr lang="ru-RU" sz="2800" dirty="0" smtClean="0">
+                <a:latin typeface="Times New Roman" panose="02020603050405020304" pitchFamily="18" charset="0"/>
+                <a:cs typeface="Times New Roman" panose="02020603050405020304" pitchFamily="18" charset="0"/>
+              </a:rPr>
+              <a:t> или </a:t>
+            </a:r>
+            <a:r>
+              <a:rPr lang="ru-RU" sz="2800" i="1" dirty="0" smtClean="0">
+                <a:latin typeface="Times New Roman" panose="02020603050405020304" pitchFamily="18" charset="0"/>
+                <a:cs typeface="Times New Roman" panose="02020603050405020304" pitchFamily="18" charset="0"/>
+              </a:rPr>
+              <a:t>стратегия</a:t>
+            </a:r>
+            <a:r>
+              <a:rPr lang="ru-RU" sz="2800" dirty="0" smtClean="0">
+                <a:latin typeface="Times New Roman" panose="02020603050405020304" pitchFamily="18" charset="0"/>
+                <a:cs typeface="Times New Roman" panose="02020603050405020304" pitchFamily="18" charset="0"/>
+              </a:rPr>
+              <a:t> </a:t>
+            </a:r>
+            <a:r>
+              <a:rPr lang="ru-RU" sz="2800" dirty="0" smtClean="0">
+                <a:latin typeface="Times New Roman" panose="02020603050405020304" pitchFamily="18" charset="0"/>
+                <a:cs typeface="Times New Roman" panose="02020603050405020304" pitchFamily="18" charset="0"/>
+              </a:rPr>
+              <a:t>я решил взять головоломку</a:t>
+            </a:r>
+            <a:r>
+              <a:rPr lang="en-US" sz="2800" dirty="0" smtClean="0">
+                <a:latin typeface="Times New Roman" panose="02020603050405020304" pitchFamily="18" charset="0"/>
+                <a:cs typeface="Times New Roman" panose="02020603050405020304" pitchFamily="18" charset="0"/>
+              </a:rPr>
+              <a:t>,</a:t>
+            </a:r>
+            <a:r>
+              <a:rPr lang="ru-RU" sz="2800" dirty="0" smtClean="0">
+                <a:latin typeface="Times New Roman" panose="02020603050405020304" pitchFamily="18" charset="0"/>
+                <a:cs typeface="Times New Roman" panose="02020603050405020304" pitchFamily="18" charset="0"/>
+              </a:rPr>
+              <a:t> с идеей </a:t>
+            </a:r>
+            <a:r>
+              <a:rPr lang="ru-RU" sz="2800" dirty="0" smtClean="0">
+                <a:latin typeface="Times New Roman" panose="02020603050405020304" pitchFamily="18" charset="0"/>
+                <a:cs typeface="Times New Roman" panose="02020603050405020304" pitchFamily="18" charset="0"/>
+              </a:rPr>
+              <a:t>похожей на игру </a:t>
+            </a:r>
+            <a:r>
+              <a:rPr lang="en-US" sz="2800" i="1" dirty="0" smtClean="0">
+                <a:latin typeface="Times New Roman" panose="02020603050405020304" pitchFamily="18" charset="0"/>
+                <a:cs typeface="Times New Roman" panose="02020603050405020304" pitchFamily="18" charset="0"/>
+              </a:rPr>
+              <a:t>islanders</a:t>
+            </a:r>
+            <a:r>
+              <a:rPr lang="en-US" sz="2800" dirty="0" smtClean="0">
+                <a:latin typeface="Times New Roman" panose="02020603050405020304" pitchFamily="18" charset="0"/>
+                <a:cs typeface="Times New Roman" panose="02020603050405020304" pitchFamily="18" charset="0"/>
+              </a:rPr>
+              <a:t>,</a:t>
+            </a:r>
+            <a:r>
+              <a:rPr lang="ru-RU" sz="2800" dirty="0" smtClean="0">
+                <a:latin typeface="Times New Roman" panose="02020603050405020304" pitchFamily="18" charset="0"/>
+                <a:cs typeface="Times New Roman" panose="02020603050405020304" pitchFamily="18" charset="0"/>
+              </a:rPr>
+              <a:t> но я </a:t>
+            </a:r>
+            <a:r>
+              <a:rPr lang="ru-RU" sz="2800" dirty="0" smtClean="0">
+                <a:latin typeface="Times New Roman" panose="02020603050405020304" pitchFamily="18" charset="0"/>
+                <a:cs typeface="Times New Roman" panose="02020603050405020304" pitchFamily="18" charset="0"/>
+              </a:rPr>
+              <a:t>не просто копирую </a:t>
+            </a:r>
+            <a:r>
+              <a:rPr lang="en-US" sz="2800" i="1" dirty="0" smtClean="0">
+                <a:latin typeface="Times New Roman" panose="02020603050405020304" pitchFamily="18" charset="0"/>
+                <a:cs typeface="Times New Roman" panose="02020603050405020304" pitchFamily="18" charset="0"/>
+              </a:rPr>
+              <a:t>islanders</a:t>
+            </a:r>
+            <a:r>
+              <a:rPr lang="ru-RU" sz="2800" dirty="0" smtClean="0">
+                <a:latin typeface="Times New Roman" panose="02020603050405020304" pitchFamily="18" charset="0"/>
+                <a:cs typeface="Times New Roman" panose="02020603050405020304" pitchFamily="18" charset="0"/>
+              </a:rPr>
+              <a:t>, а дополняю ее идею своими вариантами механик и ручной генерацией уровней</a:t>
+            </a:r>
+            <a:r>
+              <a:rPr lang="en-US" sz="2800" dirty="0" smtClean="0">
+                <a:latin typeface="Times New Roman" panose="02020603050405020304" pitchFamily="18" charset="0"/>
+                <a:cs typeface="Times New Roman" panose="02020603050405020304" pitchFamily="18" charset="0"/>
+              </a:rPr>
+              <a:t>.</a:t>
+            </a:r>
+            <a:r>
+              <a:rPr lang="ru-RU" sz="2800" dirty="0" smtClean="0">
+                <a:latin typeface="Times New Roman" panose="02020603050405020304" pitchFamily="18" charset="0"/>
+                <a:cs typeface="Times New Roman" panose="02020603050405020304" pitchFamily="18" charset="0"/>
+              </a:rPr>
+              <a:t> Название же </a:t>
+            </a:r>
+            <a:r>
+              <a:rPr lang="en-US" sz="2800" dirty="0" err="1" smtClean="0">
+                <a:latin typeface="Times New Roman" panose="02020603050405020304" pitchFamily="18" charset="0"/>
+                <a:cs typeface="Times New Roman" panose="02020603050405020304" pitchFamily="18" charset="0"/>
+              </a:rPr>
+              <a:t>C</a:t>
+            </a:r>
+            <a:r>
+              <a:rPr lang="en-US" sz="2800" dirty="0" err="1" smtClean="0">
+                <a:latin typeface="Times New Roman" panose="02020603050405020304" pitchFamily="18" charset="0"/>
+                <a:cs typeface="Times New Roman" panose="02020603050405020304" pitchFamily="18" charset="0"/>
+              </a:rPr>
+              <a:t>lusterlife</a:t>
+            </a:r>
+            <a:r>
+              <a:rPr lang="ru-RU" sz="2800" dirty="0" smtClean="0">
+                <a:latin typeface="Times New Roman" panose="02020603050405020304" pitchFamily="18" charset="0"/>
+                <a:cs typeface="Times New Roman" panose="02020603050405020304" pitchFamily="18" charset="0"/>
+              </a:rPr>
+              <a:t> получила в честь кластеров на которых построена.</a:t>
+            </a:r>
+            <a:endParaRPr lang="en-US" sz="2800" dirty="0" smtClean="0">
+              <a:latin typeface="Times New Roman" panose="02020603050405020304" pitchFamily="18" charset="0"/>
+              <a:cs typeface="Times New Roman" panose="02020603050405020304" pitchFamily="18" charset="0"/>
+            </a:endParaRPr>
+          </a:p>
+          <a:p>
+            <a:endParaRPr lang="ru-RU" sz="2800" dirty="0">
+              <a:latin typeface="Times New Roman" panose="02020603050405020304" pitchFamily="18" charset="0"/>
+              <a:cs typeface="Times New Roman" panose="02020603050405020304" pitchFamily="18" charset="0"/>
+            </a:endParaRPr>
+          </a:p>
+        </p:txBody>
+      </p:sp>
+    </p:spTree>
+    <p:extLst>
+      <p:ext uri="{BB962C8B-B14F-4D97-AF65-F5344CB8AC3E}">
+        <p14:creationId xmlns:p14="http://schemas.microsoft.com/office/powerpoint/2010/main" val="1954687270"/>
+      </p:ext>
+    </p:extLst>
+  </p:cSld>
+  <p:clrMapOvr>
+    <a:masterClrMapping/>
+  </p:clrMapOvr>
+  <mc:AlternateContent xmlns:mc="http://schemas.openxmlformats.org/markup-compatibility/2006" xmlns:p14="http://schemas.microsoft.com/office/powerpoint/2010/main">
+    <mc:Choice Requires="p14">
+      <p:transition spd="slow" p14:dur="800">
+        <p14:flythrough/>
+      </p:transition>
+    </mc:Choice>
+    <mc:Fallback xmlns="">
+      <p:transition spd="slow">
+        <p:fade/>
+      </p:transition>
+    </mc:Fallback>
+  </mc:AlternateContent>
+  <p:timing>
+    <p:tnLst>
+      <p:par>
+        <p:cTn id="1" dur="indefinite" restart="never" nodeType="tmRoot"/>
+      </p:par>
+    </p:tnLst>
+  </p:timing>
+</p:sld>
+</file>
+
+<file path=ppt/slides/slide3.xml><?xml version="1.0" encoding="utf-8"?>
+<p:sld xmlns:a="http://schemas.openxmlformats.org/drawingml/2006/main" xmlns:r="http://schemas.openxmlformats.org/officeDocument/2006/relationships" xmlns:p="http://schemas.openxmlformats.org/presentationml/2006/main">
+  <p:cSld>
+    <p:spTree>
+      <p:nvGrpSpPr>
+        <p:cNvPr id="1" name=""/>
+        <p:cNvGrpSpPr/>
+        <p:nvPr/>
+      </p:nvGrpSpPr>
+      <p:grpSpPr>
+        <a:xfrm>
+          <a:off x="0" y="0"/>
+          <a:ext cx="0" cy="0"/>
+          <a:chOff x="0" y="0"/>
+          <a:chExt cx="0" cy="0"/>
+        </a:xfrm>
+      </p:grpSpPr>
+      <p:sp>
+        <p:nvSpPr>
+          <p:cNvPr id="2" name="Заголовок 1"/>
+          <p:cNvSpPr>
+            <a:spLocks noGrp="1"/>
+          </p:cNvSpPr>
+          <p:nvPr>
+            <p:ph type="title"/>
+          </p:nvPr>
+        </p:nvSpPr>
+        <p:spPr>
+          <a:xfrm>
+            <a:off x="2289324" y="532430"/>
+            <a:ext cx="7729728" cy="1188720"/>
+          </a:xfrm>
+        </p:spPr>
+        <p:txBody>
+          <a:bodyPr>
+            <a:normAutofit fontScale="90000"/>
+          </a:bodyPr>
+          <a:lstStyle/>
+          <a:p>
+            <a:r>
+              <a:rPr lang="ru-RU" sz="3800" i="1" spc="600" dirty="0" smtClean="0">
+                <a:effectLst>
+                  <a:outerShdw blurRad="38100" dist="38100" dir="2700000" algn="tl">
+                    <a:srgbClr val="000000">
+                      <a:alpha val="43137"/>
+                    </a:srgbClr>
+                  </a:outerShdw>
+                </a:effectLst>
+                <a:latin typeface="Times New Roman" panose="02020603050405020304" pitchFamily="18" charset="0"/>
+                <a:cs typeface="Times New Roman" panose="02020603050405020304" pitchFamily="18" charset="0"/>
+              </a:rPr>
+              <a:t>Актуальность</a:t>
+            </a:r>
+            <a:r>
+              <a:rPr lang="ru-RU" sz="3800" i="1" spc="600" dirty="0" smtClean="0">
+                <a:effectLst>
+                  <a:outerShdw blurRad="38100" dist="38100" dir="2700000" algn="tl">
+                    <a:srgbClr val="000000">
+                      <a:alpha val="43137"/>
+                    </a:srgbClr>
+                  </a:outerShdw>
+                </a:effectLst>
+                <a:latin typeface="Times New Roman" panose="02020603050405020304" pitchFamily="18" charset="0"/>
+                <a:cs typeface="Times New Roman" panose="02020603050405020304" pitchFamily="18" charset="0"/>
+              </a:rPr>
+              <a:t> </a:t>
+            </a:r>
+            <a:r>
+              <a:rPr lang="ru-RU" sz="3800" i="1" spc="600" dirty="0" smtClean="0">
+                <a:effectLst>
+                  <a:outerShdw blurRad="38100" dist="38100" dir="2700000" algn="tl">
+                    <a:srgbClr val="000000">
+                      <a:alpha val="43137"/>
+                    </a:srgbClr>
+                  </a:outerShdw>
+                </a:effectLst>
+                <a:latin typeface="Times New Roman" panose="02020603050405020304" pitchFamily="18" charset="0"/>
+                <a:cs typeface="Times New Roman" panose="02020603050405020304" pitchFamily="18" charset="0"/>
+              </a:rPr>
+              <a:t>ПРОЕКТА</a:t>
+            </a:r>
+            <a:endParaRPr lang="ru-RU" sz="3800" i="1" spc="600" dirty="0">
+              <a:effectLst>
+                <a:outerShdw blurRad="38100" dist="38100" dir="2700000" algn="tl">
+                  <a:srgbClr val="000000">
+                    <a:alpha val="43137"/>
+                  </a:srgbClr>
+                </a:outerShdw>
+              </a:effectLst>
+              <a:latin typeface="Times New Roman" panose="02020603050405020304" pitchFamily="18" charset="0"/>
+              <a:cs typeface="Times New Roman" panose="02020603050405020304" pitchFamily="18" charset="0"/>
+            </a:endParaRPr>
+          </a:p>
+        </p:txBody>
+      </p:sp>
+      <p:sp>
+        <p:nvSpPr>
+          <p:cNvPr id="3" name="Объект 2"/>
+          <p:cNvSpPr>
+            <a:spLocks noGrp="1"/>
+          </p:cNvSpPr>
+          <p:nvPr>
+            <p:ph idx="1"/>
+          </p:nvPr>
+        </p:nvSpPr>
+        <p:spPr>
+          <a:xfrm>
+            <a:off x="925483" y="2618510"/>
+            <a:ext cx="10457411" cy="3395838"/>
+          </a:xfrm>
+        </p:spPr>
+        <p:txBody>
+          <a:bodyPr>
+            <a:normAutofit/>
+          </a:bodyPr>
+          <a:lstStyle/>
+          <a:p>
+            <a:r>
+              <a:rPr lang="ru-RU" sz="2800" dirty="0" smtClean="0">
+                <a:latin typeface="Times New Roman" panose="02020603050405020304" pitchFamily="18" charset="0"/>
+                <a:cs typeface="Times New Roman" panose="02020603050405020304" pitchFamily="18" charset="0"/>
+              </a:rPr>
+              <a:t>Прохождение каждого уровня – тренировка логики и планирования</a:t>
+            </a:r>
+            <a:endParaRPr lang="ru-RU" sz="2800" dirty="0" smtClean="0">
+              <a:latin typeface="Times New Roman" panose="02020603050405020304" pitchFamily="18" charset="0"/>
+              <a:cs typeface="Times New Roman" panose="02020603050405020304" pitchFamily="18" charset="0"/>
+            </a:endParaRPr>
+          </a:p>
+          <a:p>
+            <a:r>
+              <a:rPr lang="ru-RU" sz="2800" dirty="0" smtClean="0">
+                <a:latin typeface="Times New Roman" panose="02020603050405020304" pitchFamily="18" charset="0"/>
+                <a:cs typeface="Times New Roman" panose="02020603050405020304" pitchFamily="18" charset="0"/>
+              </a:rPr>
+              <a:t>Игровой процесс расслабляет и приносит удовольствие</a:t>
+            </a:r>
+            <a:endParaRPr lang="ru-RU" sz="2800" dirty="0" smtClean="0">
+              <a:latin typeface="Times New Roman" panose="02020603050405020304" pitchFamily="18" charset="0"/>
+              <a:cs typeface="Times New Roman" panose="02020603050405020304" pitchFamily="18" charset="0"/>
+            </a:endParaRPr>
+          </a:p>
+          <a:p>
+            <a:r>
+              <a:rPr lang="ru-RU" sz="2800" dirty="0" smtClean="0">
+                <a:latin typeface="Times New Roman" panose="02020603050405020304" pitchFamily="18" charset="0"/>
+                <a:cs typeface="Times New Roman" panose="02020603050405020304" pitchFamily="18" charset="0"/>
+              </a:rPr>
+              <a:t>Игра не повторяется от уровня к уровню, что не даст заскучать</a:t>
             </a:r>
             <a:endParaRPr lang="ru-RU" sz="2800" dirty="0">
               <a:latin typeface="Times New Roman" panose="02020603050405020304" pitchFamily="18" charset="0"/>
@@ -6875,404 +7265,6 @@
 </p:sld>
 </file>
 
-<file path=ppt/slides/slide3.xml><?xml version="1.0" encoding="utf-8"?>
-<p:sld xmlns:a="http://schemas.openxmlformats.org/drawingml/2006/main" xmlns:r="http://schemas.openxmlformats.org/officeDocument/2006/relationships" xmlns:p="http://schemas.openxmlformats.org/presentationml/2006/main">
-  <p:cSld>
-    <p:spTree>
-      <p:nvGrpSpPr>
-        <p:cNvPr id="1" name=""/>
-        <p:cNvGrpSpPr/>
-        <p:nvPr/>
-      </p:nvGrpSpPr>
-      <p:grpSpPr>
-        <a:xfrm>
-          <a:off x="0" y="0"/>
-          <a:ext cx="0" cy="0"/>
-          <a:chOff x="0" y="0"/>
-          <a:chExt cx="0" cy="0"/>
-        </a:xfrm>
-      </p:grpSpPr>
-      <p:sp>
-        <p:nvSpPr>
-          <p:cNvPr id="2" name="Заголовок 1"/>
-          <p:cNvSpPr>
-            <a:spLocks noGrp="1"/>
-          </p:cNvSpPr>
-          <p:nvPr>
-            <p:ph type="title"/>
-          </p:nvPr>
-        </p:nvSpPr>
-        <p:spPr/>
-        <p:txBody>
-          <a:bodyPr>
-            <a:noAutofit/>
-          </a:bodyPr>
-          <a:lstStyle/>
-          <a:p>
-            <a:r>
-              <a:rPr lang="ru-RU" sz="3800" i="1" spc="600" dirty="0" smtClean="0">
-                <a:effectLst>
-                  <a:outerShdw blurRad="38100" dist="38100" dir="2700000" algn="tl">
-                    <a:srgbClr val="000000">
-                      <a:alpha val="43137"/>
-                    </a:srgbClr>
-                  </a:outerShdw>
-                </a:effectLst>
-                <a:latin typeface="Times New Roman" panose="02020603050405020304" pitchFamily="18" charset="0"/>
-                <a:cs typeface="Times New Roman" panose="02020603050405020304" pitchFamily="18" charset="0"/>
-              </a:rPr>
-              <a:t>История возникновение идеи</a:t>
-            </a:r>
-            <a:endParaRPr lang="ru-RU" sz="3800" i="1" spc="600" dirty="0">
-              <a:effectLst>
-                <a:outerShdw blurRad="38100" dist="38100" dir="2700000" algn="tl">
-                  <a:srgbClr val="000000">
-                    <a:alpha val="43137"/>
-                  </a:srgbClr>
-                </a:outerShdw>
-              </a:effectLst>
-              <a:latin typeface="Times New Roman" panose="02020603050405020304" pitchFamily="18" charset="0"/>
-              <a:cs typeface="Times New Roman" panose="02020603050405020304" pitchFamily="18" charset="0"/>
-            </a:endParaRPr>
-          </a:p>
-        </p:txBody>
-      </p:sp>
-      <p:sp>
-        <p:nvSpPr>
-          <p:cNvPr id="3" name="Объект 2"/>
-          <p:cNvSpPr>
-            <a:spLocks noGrp="1"/>
-          </p:cNvSpPr>
-          <p:nvPr>
-            <p:ph idx="1"/>
-          </p:nvPr>
-        </p:nvSpPr>
-        <p:spPr>
-          <a:xfrm>
-            <a:off x="540327" y="2446852"/>
-            <a:ext cx="10706793" cy="3101983"/>
-          </a:xfrm>
-        </p:spPr>
-        <p:txBody>
-          <a:bodyPr>
-            <a:noAutofit/>
-          </a:bodyPr>
-          <a:lstStyle/>
-          <a:p>
-            <a:pPr marL="0" indent="0">
-              <a:buNone/>
-            </a:pPr>
-            <a:r>
-              <a:rPr lang="ru-RU" sz="2800" dirty="0">
-                <a:latin typeface="Times New Roman" panose="02020603050405020304" pitchFamily="18" charset="0"/>
-                <a:cs typeface="Times New Roman" panose="02020603050405020304" pitchFamily="18" charset="0"/>
-              </a:rPr>
-              <a:t>Я</a:t>
-            </a:r>
-            <a:r>
-              <a:rPr lang="ru-RU" sz="2800" dirty="0" smtClean="0">
-                <a:latin typeface="Times New Roman" panose="02020603050405020304" pitchFamily="18" charset="0"/>
-                <a:cs typeface="Times New Roman" panose="02020603050405020304" pitchFamily="18" charset="0"/>
-              </a:rPr>
-              <a:t> хотел </a:t>
-            </a:r>
-            <a:r>
-              <a:rPr lang="ru-RU" sz="2800" dirty="0" smtClean="0">
-                <a:latin typeface="Times New Roman" panose="02020603050405020304" pitchFamily="18" charset="0"/>
-                <a:cs typeface="Times New Roman" panose="02020603050405020304" pitchFamily="18" charset="0"/>
-              </a:rPr>
-              <a:t>создать что то интересное</a:t>
-            </a:r>
-            <a:r>
-              <a:rPr lang="en-US" sz="2800" dirty="0" smtClean="0">
-                <a:latin typeface="Times New Roman" panose="02020603050405020304" pitchFamily="18" charset="0"/>
-                <a:cs typeface="Times New Roman" panose="02020603050405020304" pitchFamily="18" charset="0"/>
-              </a:rPr>
-              <a:t>,</a:t>
-            </a:r>
-            <a:r>
-              <a:rPr lang="ru-RU" sz="2800" dirty="0" smtClean="0">
-                <a:latin typeface="Times New Roman" panose="02020603050405020304" pitchFamily="18" charset="0"/>
-                <a:cs typeface="Times New Roman" panose="02020603050405020304" pitchFamily="18" charset="0"/>
-              </a:rPr>
-              <a:t> но в  тоже время не слишком сложное</a:t>
-            </a:r>
-            <a:r>
-              <a:rPr lang="ru-RU" sz="2800" dirty="0">
-                <a:latin typeface="Times New Roman" panose="02020603050405020304" pitchFamily="18" charset="0"/>
-                <a:cs typeface="Times New Roman" panose="02020603050405020304" pitchFamily="18" charset="0"/>
-              </a:rPr>
-              <a:t> </a:t>
-            </a:r>
-            <a:r>
-              <a:rPr lang="ru-RU" sz="2800" dirty="0" smtClean="0">
-                <a:latin typeface="Times New Roman" panose="02020603050405020304" pitchFamily="18" charset="0"/>
-                <a:cs typeface="Times New Roman" panose="02020603050405020304" pitchFamily="18" charset="0"/>
-              </a:rPr>
-              <a:t>для </a:t>
-            </a:r>
-            <a:r>
-              <a:rPr lang="ru-RU" sz="2800" dirty="0" smtClean="0">
-                <a:latin typeface="Times New Roman" panose="02020603050405020304" pitchFamily="18" charset="0"/>
-                <a:cs typeface="Times New Roman" panose="02020603050405020304" pitchFamily="18" charset="0"/>
-              </a:rPr>
-              <a:t>прохождения </a:t>
-            </a:r>
-            <a:r>
-              <a:rPr lang="ru-RU" sz="2800" dirty="0" smtClean="0">
-                <a:latin typeface="Times New Roman" panose="02020603050405020304" pitchFamily="18" charset="0"/>
-                <a:cs typeface="Times New Roman" panose="02020603050405020304" pitchFamily="18" charset="0"/>
-              </a:rPr>
-              <a:t>игру</a:t>
-            </a:r>
-            <a:r>
-              <a:rPr lang="en-US" sz="2800" dirty="0" smtClean="0">
-                <a:latin typeface="Times New Roman" panose="02020603050405020304" pitchFamily="18" charset="0"/>
-                <a:cs typeface="Times New Roman" panose="02020603050405020304" pitchFamily="18" charset="0"/>
-              </a:rPr>
-              <a:t>.</a:t>
-            </a:r>
-            <a:r>
-              <a:rPr lang="ru-RU" sz="2800" dirty="0" smtClean="0">
-                <a:latin typeface="Times New Roman" panose="02020603050405020304" pitchFamily="18" charset="0"/>
-                <a:cs typeface="Times New Roman" panose="02020603050405020304" pitchFamily="18" charset="0"/>
-              </a:rPr>
-              <a:t> Для начала были варианты тем для игры</a:t>
-            </a:r>
-            <a:r>
-              <a:rPr lang="en-US" sz="2800" dirty="0" smtClean="0">
-                <a:latin typeface="Times New Roman" panose="02020603050405020304" pitchFamily="18" charset="0"/>
-                <a:cs typeface="Times New Roman" panose="02020603050405020304" pitchFamily="18" charset="0"/>
-              </a:rPr>
-              <a:t>,</a:t>
-            </a:r>
-            <a:r>
-              <a:rPr lang="ru-RU" sz="2800" dirty="0" smtClean="0">
-                <a:latin typeface="Times New Roman" panose="02020603050405020304" pitchFamily="18" charset="0"/>
-                <a:cs typeface="Times New Roman" panose="02020603050405020304" pitchFamily="18" charset="0"/>
-              </a:rPr>
-              <a:t> такие как </a:t>
-            </a:r>
-            <a:r>
-              <a:rPr lang="ru-RU" sz="2800" dirty="0" err="1" smtClean="0">
-                <a:latin typeface="Times New Roman" panose="02020603050405020304" pitchFamily="18" charset="0"/>
-                <a:cs typeface="Times New Roman" panose="02020603050405020304" pitchFamily="18" charset="0"/>
-              </a:rPr>
-              <a:t>рпг</a:t>
-            </a:r>
-            <a:r>
-              <a:rPr lang="en-US" sz="2800" dirty="0" smtClean="0">
-                <a:latin typeface="Times New Roman" panose="02020603050405020304" pitchFamily="18" charset="0"/>
-                <a:cs typeface="Times New Roman" panose="02020603050405020304" pitchFamily="18" charset="0"/>
-              </a:rPr>
-              <a:t>,</a:t>
-            </a:r>
-            <a:r>
-              <a:rPr lang="ru-RU" sz="2800" dirty="0" smtClean="0">
-                <a:latin typeface="Times New Roman" panose="02020603050405020304" pitchFamily="18" charset="0"/>
-                <a:cs typeface="Times New Roman" panose="02020603050405020304" pitchFamily="18" charset="0"/>
-              </a:rPr>
-              <a:t> головоломка или исследования</a:t>
-            </a:r>
-            <a:r>
-              <a:rPr lang="en-US" sz="2800" dirty="0" smtClean="0">
-                <a:latin typeface="Times New Roman" panose="02020603050405020304" pitchFamily="18" charset="0"/>
-                <a:cs typeface="Times New Roman" panose="02020603050405020304" pitchFamily="18" charset="0"/>
-              </a:rPr>
-              <a:t>,</a:t>
-            </a:r>
-            <a:r>
-              <a:rPr lang="ru-RU" sz="2800" dirty="0" smtClean="0">
-                <a:latin typeface="Times New Roman" panose="02020603050405020304" pitchFamily="18" charset="0"/>
-                <a:cs typeface="Times New Roman" panose="02020603050405020304" pitchFamily="18" charset="0"/>
-              </a:rPr>
-              <a:t> </a:t>
-            </a:r>
-            <a:r>
-              <a:rPr lang="ru-RU" sz="2800" dirty="0" smtClean="0">
-                <a:latin typeface="Times New Roman" panose="02020603050405020304" pitchFamily="18" charset="0"/>
-                <a:cs typeface="Times New Roman" panose="02020603050405020304" pitchFamily="18" charset="0"/>
-              </a:rPr>
-              <a:t>я решил </a:t>
-            </a:r>
-            <a:r>
-              <a:rPr lang="ru-RU" sz="2800" dirty="0" smtClean="0">
-                <a:latin typeface="Times New Roman" panose="02020603050405020304" pitchFamily="18" charset="0"/>
-                <a:cs typeface="Times New Roman" panose="02020603050405020304" pitchFamily="18" charset="0"/>
-              </a:rPr>
-              <a:t>взять головоломку</a:t>
-            </a:r>
-            <a:r>
-              <a:rPr lang="en-US" sz="2800" dirty="0" smtClean="0">
-                <a:latin typeface="Times New Roman" panose="02020603050405020304" pitchFamily="18" charset="0"/>
-                <a:cs typeface="Times New Roman" panose="02020603050405020304" pitchFamily="18" charset="0"/>
-              </a:rPr>
-              <a:t>,</a:t>
-            </a:r>
-            <a:r>
-              <a:rPr lang="ru-RU" sz="2800" dirty="0" smtClean="0">
-                <a:latin typeface="Times New Roman" panose="02020603050405020304" pitchFamily="18" charset="0"/>
-                <a:cs typeface="Times New Roman" panose="02020603050405020304" pitchFamily="18" charset="0"/>
-              </a:rPr>
-              <a:t> с идеей похожею на </a:t>
-            </a:r>
-            <a:r>
-              <a:rPr lang="en-US" sz="2800" dirty="0" smtClean="0">
-                <a:latin typeface="Times New Roman" panose="02020603050405020304" pitchFamily="18" charset="0"/>
-                <a:cs typeface="Times New Roman" panose="02020603050405020304" pitchFamily="18" charset="0"/>
-              </a:rPr>
-              <a:t>islanders,</a:t>
-            </a:r>
-            <a:r>
-              <a:rPr lang="ru-RU" sz="2800" dirty="0" smtClean="0">
-                <a:latin typeface="Times New Roman" panose="02020603050405020304" pitchFamily="18" charset="0"/>
-                <a:cs typeface="Times New Roman" panose="02020603050405020304" pitchFamily="18" charset="0"/>
-              </a:rPr>
-              <a:t> но </a:t>
-            </a:r>
-            <a:r>
-              <a:rPr lang="ru-RU" sz="2800" dirty="0" smtClean="0">
-                <a:latin typeface="Times New Roman" panose="02020603050405020304" pitchFamily="18" charset="0"/>
-                <a:cs typeface="Times New Roman" panose="02020603050405020304" pitchFamily="18" charset="0"/>
-              </a:rPr>
-              <a:t>я </a:t>
-            </a:r>
-            <a:r>
-              <a:rPr lang="ru-RU" sz="2800" dirty="0" smtClean="0">
-                <a:latin typeface="Times New Roman" panose="02020603050405020304" pitchFamily="18" charset="0"/>
-                <a:cs typeface="Times New Roman" panose="02020603050405020304" pitchFamily="18" charset="0"/>
-              </a:rPr>
-              <a:t>делаю </a:t>
-            </a:r>
-            <a:r>
-              <a:rPr lang="ru-RU" sz="2800" dirty="0" smtClean="0">
-                <a:latin typeface="Times New Roman" panose="02020603050405020304" pitchFamily="18" charset="0"/>
-                <a:cs typeface="Times New Roman" panose="02020603050405020304" pitchFamily="18" charset="0"/>
-              </a:rPr>
-              <a:t>свою игру</a:t>
-            </a:r>
-            <a:r>
-              <a:rPr lang="en-US" sz="2800" dirty="0" smtClean="0">
-                <a:latin typeface="Times New Roman" panose="02020603050405020304" pitchFamily="18" charset="0"/>
-                <a:cs typeface="Times New Roman" panose="02020603050405020304" pitchFamily="18" charset="0"/>
-              </a:rPr>
-              <a:t>,</a:t>
-            </a:r>
-            <a:r>
-              <a:rPr lang="ru-RU" sz="2800" dirty="0" smtClean="0">
-                <a:latin typeface="Times New Roman" panose="02020603050405020304" pitchFamily="18" charset="0"/>
-                <a:cs typeface="Times New Roman" panose="02020603050405020304" pitchFamily="18" charset="0"/>
-              </a:rPr>
-              <a:t> и название должно у нас быть свое</a:t>
-            </a:r>
-            <a:r>
-              <a:rPr lang="en-US" sz="2800" dirty="0" smtClean="0">
-                <a:latin typeface="Times New Roman" panose="02020603050405020304" pitchFamily="18" charset="0"/>
-                <a:cs typeface="Times New Roman" panose="02020603050405020304" pitchFamily="18" charset="0"/>
-              </a:rPr>
-              <a:t>.</a:t>
-            </a:r>
-            <a:r>
-              <a:rPr lang="ru-RU" sz="2800" dirty="0" smtClean="0">
-                <a:latin typeface="Times New Roman" panose="02020603050405020304" pitchFamily="18" charset="0"/>
-                <a:cs typeface="Times New Roman" panose="02020603050405020304" pitchFamily="18" charset="0"/>
-              </a:rPr>
-              <a:t> </a:t>
-            </a:r>
-            <a:r>
-              <a:rPr lang="ru-RU" sz="2800" dirty="0" err="1" smtClean="0">
-                <a:latin typeface="Times New Roman" panose="02020603050405020304" pitchFamily="18" charset="0"/>
-                <a:cs typeface="Times New Roman" panose="02020603050405020304" pitchFamily="18" charset="0"/>
-              </a:rPr>
-              <a:t>Тк</a:t>
-            </a:r>
-            <a:r>
-              <a:rPr lang="ru-RU" sz="2800" dirty="0" smtClean="0">
-                <a:latin typeface="Times New Roman" panose="02020603050405020304" pitchFamily="18" charset="0"/>
-                <a:cs typeface="Times New Roman" panose="02020603050405020304" pitchFamily="18" charset="0"/>
-              </a:rPr>
-              <a:t> игра сделана на кластерах</a:t>
-            </a:r>
-            <a:r>
-              <a:rPr lang="en-US" sz="2800" dirty="0" smtClean="0">
-                <a:latin typeface="Times New Roman" panose="02020603050405020304" pitchFamily="18" charset="0"/>
-                <a:cs typeface="Times New Roman" panose="02020603050405020304" pitchFamily="18" charset="0"/>
-              </a:rPr>
-              <a:t>,</a:t>
-            </a:r>
-            <a:r>
-              <a:rPr lang="ru-RU" sz="2800" dirty="0" smtClean="0">
-                <a:latin typeface="Times New Roman" panose="02020603050405020304" pitchFamily="18" charset="0"/>
-                <a:cs typeface="Times New Roman" panose="02020603050405020304" pitchFamily="18" charset="0"/>
-              </a:rPr>
-              <a:t> то почему бы и игру не назвать в их честь</a:t>
-            </a:r>
-            <a:r>
-              <a:rPr lang="en-US" sz="2800" dirty="0" smtClean="0">
-                <a:latin typeface="Times New Roman" panose="02020603050405020304" pitchFamily="18" charset="0"/>
-                <a:cs typeface="Times New Roman" panose="02020603050405020304" pitchFamily="18" charset="0"/>
-              </a:rPr>
-              <a:t>.</a:t>
-            </a:r>
-            <a:r>
-              <a:rPr lang="ru-RU" sz="2800" dirty="0" smtClean="0">
-                <a:latin typeface="Times New Roman" panose="02020603050405020304" pitchFamily="18" charset="0"/>
-                <a:cs typeface="Times New Roman" panose="02020603050405020304" pitchFamily="18" charset="0"/>
-              </a:rPr>
-              <a:t>Так и было придумано название </a:t>
-            </a:r>
-            <a:r>
-              <a:rPr lang="en-US" sz="2800" dirty="0" err="1" smtClean="0">
-                <a:latin typeface="Times New Roman" panose="02020603050405020304" pitchFamily="18" charset="0"/>
-                <a:cs typeface="Times New Roman" panose="02020603050405020304" pitchFamily="18" charset="0"/>
-              </a:rPr>
-              <a:t>clusterlife</a:t>
-            </a:r>
-            <a:endParaRPr lang="en-US" sz="2800" dirty="0" smtClean="0">
-              <a:latin typeface="Times New Roman" panose="02020603050405020304" pitchFamily="18" charset="0"/>
-              <a:cs typeface="Times New Roman" panose="02020603050405020304" pitchFamily="18" charset="0"/>
-            </a:endParaRPr>
-          </a:p>
-          <a:p>
-            <a:endParaRPr lang="ru-RU" sz="2800" dirty="0">
-              <a:latin typeface="Times New Roman" panose="02020603050405020304" pitchFamily="18" charset="0"/>
-              <a:cs typeface="Times New Roman" panose="02020603050405020304" pitchFamily="18" charset="0"/>
-            </a:endParaRPr>
-          </a:p>
-        </p:txBody>
-      </p:sp>
-    </p:spTree>
-    <p:extLst>
-      <p:ext uri="{BB962C8B-B14F-4D97-AF65-F5344CB8AC3E}">
-        <p14:creationId xmlns:p14="http://schemas.microsoft.com/office/powerpoint/2010/main" val="1954687270"/>
-      </p:ext>
-    </p:extLst>
-  </p:cSld>
-  <p:clrMapOvr>
-    <a:masterClrMapping/>
-  </p:clrMapOvr>
-  <mc:AlternateContent xmlns:mc="http://schemas.openxmlformats.org/markup-compatibility/2006" xmlns:p14="http://schemas.microsoft.com/office/powerpoint/2010/main">
-    <mc:Choice Requires="p14">
-      <p:transition spd="slow" p14:dur="800">
-        <p14:flythrough/>
-      </p:transition>
-    </mc:Choice>
-    <mc:Fallback xmlns="">
-      <p:transition spd="slow">
-        <p:fade/>
-      </p:transition>
-    </mc:Fallback>
-  </mc:AlternateContent>
-  <p:timing>
-    <p:tnLst>
-      <p:par>
-        <p:cTn id="1" dur="indefinite" restart="never" nodeType="tmRoot"/>
-      </p:par>
-    </p:tnLst>
-  </p:timing>
-</p:sld>
-</file>
-
 <file path=ppt/slides/slide4.xml><?xml version="1.0" encoding="utf-8"?>
 <p:sld xmlns:a="http://schemas.openxmlformats.org/drawingml/2006/main" xmlns:r="http://schemas.openxmlformats.org/officeDocument/2006/relationships" xmlns:p="http://schemas.openxmlformats.org/presentationml/2006/main">
   <p:cSld>
@@ -7300,10 +7292,15 @@
             <p:ph type="title"/>
           </p:nvPr>
         </p:nvSpPr>
-        <p:spPr/>
+        <p:spPr>
+          <a:xfrm>
+            <a:off x="2223254" y="318306"/>
+            <a:ext cx="7729728" cy="1188720"/>
+          </a:xfrm>
+        </p:spPr>
         <p:txBody>
           <a:bodyPr>
-            <a:normAutofit fontScale="90000"/>
+            <a:normAutofit/>
           </a:bodyPr>
           <a:lstStyle/>
           <a:p>
@@ -7319,7 +7316,7 @@
                 <a:latin typeface="Times New Roman" panose="02020603050405020304" pitchFamily="18" charset="0"/>
                 <a:cs typeface="Times New Roman" panose="02020603050405020304" pitchFamily="18" charset="0"/>
               </a:rPr>
-              <a:t>Используемые функции</a:t>
+              <a:t>Ресурсы реализации</a:t>
             </a:r>
             <a:endParaRPr lang="ru-RU" sz="3800" i="1" spc="600" dirty="0">
               <a:effectLst>
@@ -7347,13 +7344,13 @@
         </p:nvSpPr>
         <p:spPr>
           <a:xfrm>
-            <a:off x="349136" y="2638044"/>
-            <a:ext cx="9235440" cy="3101983"/>
+            <a:off x="341253" y="1723644"/>
+            <a:ext cx="9235440" cy="4472204"/>
           </a:xfrm>
         </p:spPr>
         <p:txBody>
           <a:bodyPr>
-            <a:normAutofit lnSpcReduction="10000"/>
+            <a:normAutofit/>
           </a:bodyPr>
           <a:lstStyle/>
           <a:p>
@@ -7362,14 +7359,154 @@
                 <a:latin typeface="Times New Roman" panose="02020603050405020304" pitchFamily="18" charset="0"/>
                 <a:cs typeface="Times New Roman" panose="02020603050405020304" pitchFamily="18" charset="0"/>
               </a:rPr>
-              <a:t>Библиотека </a:t>
-            </a:r>
-            <a:r>
-              <a:rPr lang="en-US" sz="2800" dirty="0" err="1" smtClean="0">
+              <a:t>Среда разработки </a:t>
+            </a:r>
+            <a:r>
+              <a:rPr lang="en-US" sz="2800" b="1" i="1" dirty="0" err="1" smtClean="0">
                 <a:latin typeface="Times New Roman" panose="02020603050405020304" pitchFamily="18" charset="0"/>
                 <a:cs typeface="Times New Roman" panose="02020603050405020304" pitchFamily="18" charset="0"/>
               </a:rPr>
-              <a:t>pygame</a:t>
+              <a:t>PyCharm</a:t>
+            </a:r>
+            <a:endParaRPr lang="ru-RU" sz="2800" b="1" i="1" dirty="0" smtClean="0">
+              <a:latin typeface="Times New Roman" panose="02020603050405020304" pitchFamily="18" charset="0"/>
+              <a:cs typeface="Times New Roman" panose="02020603050405020304" pitchFamily="18" charset="0"/>
+            </a:endParaRPr>
+          </a:p>
+          <a:p>
+            <a:r>
+              <a:rPr lang="ru-RU" sz="2800" dirty="0" smtClean="0">
+                <a:latin typeface="Times New Roman" panose="02020603050405020304" pitchFamily="18" charset="0"/>
+                <a:cs typeface="Times New Roman" panose="02020603050405020304" pitchFamily="18" charset="0"/>
+              </a:rPr>
+              <a:t>Библиотеки языка </a:t>
+            </a:r>
+            <a:r>
+              <a:rPr lang="en-US" sz="2800" b="1" i="1" dirty="0" smtClean="0">
+                <a:latin typeface="Times New Roman" panose="02020603050405020304" pitchFamily="18" charset="0"/>
+                <a:cs typeface="Times New Roman" panose="02020603050405020304" pitchFamily="18" charset="0"/>
+              </a:rPr>
+              <a:t>Python</a:t>
+            </a:r>
+            <a:r>
+              <a:rPr lang="ru-RU" sz="2800" dirty="0" smtClean="0">
+                <a:latin typeface="Times New Roman" panose="02020603050405020304" pitchFamily="18" charset="0"/>
+                <a:cs typeface="Times New Roman" panose="02020603050405020304" pitchFamily="18" charset="0"/>
+              </a:rPr>
+              <a:t> такие как:</a:t>
+            </a:r>
+          </a:p>
+          <a:p>
+            <a:pPr lvl="1"/>
+            <a:r>
+              <a:rPr lang="en-US" sz="2200" b="1" i="1" dirty="0" err="1" smtClean="0">
+                <a:latin typeface="Times New Roman" panose="02020603050405020304" pitchFamily="18" charset="0"/>
+                <a:cs typeface="Times New Roman" panose="02020603050405020304" pitchFamily="18" charset="0"/>
+              </a:rPr>
+              <a:t>P</a:t>
+            </a:r>
+            <a:r>
+              <a:rPr lang="en-US" sz="2200" b="1" i="1" dirty="0" err="1" smtClean="0">
+                <a:latin typeface="Times New Roman" panose="02020603050405020304" pitchFamily="18" charset="0"/>
+                <a:cs typeface="Times New Roman" panose="02020603050405020304" pitchFamily="18" charset="0"/>
+              </a:rPr>
+              <a:t>ygame</a:t>
+            </a:r>
+            <a:r>
+              <a:rPr lang="en-US" sz="2200" dirty="0" smtClean="0">
+                <a:latin typeface="Times New Roman" panose="02020603050405020304" pitchFamily="18" charset="0"/>
+                <a:cs typeface="Times New Roman" panose="02020603050405020304" pitchFamily="18" charset="0"/>
+              </a:rPr>
+              <a:t> </a:t>
+            </a:r>
+            <a:r>
+              <a:rPr lang="ru-RU" sz="2200" dirty="0" smtClean="0">
+                <a:latin typeface="Times New Roman" panose="02020603050405020304" pitchFamily="18" charset="0"/>
+                <a:cs typeface="Times New Roman" panose="02020603050405020304" pitchFamily="18" charset="0"/>
+              </a:rPr>
+              <a:t>для построения структуры игры</a:t>
+            </a:r>
+          </a:p>
+          <a:p>
+            <a:pPr lvl="1"/>
+            <a:r>
+              <a:rPr lang="en-US" sz="2200" b="1" i="1" dirty="0" smtClean="0">
+                <a:latin typeface="Times New Roman" panose="02020603050405020304" pitchFamily="18" charset="0"/>
+                <a:cs typeface="Times New Roman" panose="02020603050405020304" pitchFamily="18" charset="0"/>
+              </a:rPr>
+              <a:t>Sys</a:t>
+            </a:r>
+            <a:r>
+              <a:rPr lang="ru-RU" sz="2200" dirty="0" smtClean="0">
+                <a:latin typeface="Times New Roman" panose="02020603050405020304" pitchFamily="18" charset="0"/>
+                <a:cs typeface="Times New Roman" panose="02020603050405020304" pitchFamily="18" charset="0"/>
+              </a:rPr>
+              <a:t> для взаимодействия с языком</a:t>
+            </a:r>
+          </a:p>
+          <a:p>
+            <a:pPr lvl="1"/>
+            <a:r>
+              <a:rPr lang="en-US" sz="2200" b="1" i="1" dirty="0" err="1" smtClean="0">
+                <a:latin typeface="Times New Roman" panose="02020603050405020304" pitchFamily="18" charset="0"/>
+                <a:cs typeface="Times New Roman" panose="02020603050405020304" pitchFamily="18" charset="0"/>
+              </a:rPr>
+              <a:t>Os</a:t>
+            </a:r>
+            <a:r>
+              <a:rPr lang="en-US" sz="2200" dirty="0" smtClean="0">
+                <a:latin typeface="Times New Roman" panose="02020603050405020304" pitchFamily="18" charset="0"/>
+                <a:cs typeface="Times New Roman" panose="02020603050405020304" pitchFamily="18" charset="0"/>
+              </a:rPr>
+              <a:t> </a:t>
+            </a:r>
+            <a:r>
+              <a:rPr lang="ru-RU" sz="2200" dirty="0" smtClean="0">
+                <a:latin typeface="Times New Roman" panose="02020603050405020304" pitchFamily="18" charset="0"/>
+                <a:cs typeface="Times New Roman" panose="02020603050405020304" pitchFamily="18" charset="0"/>
+              </a:rPr>
+              <a:t>для взаимодействия с операционной системой пользователя</a:t>
+            </a:r>
+            <a:endParaRPr lang="ru-RU" sz="2400" dirty="0" smtClean="0">
+              <a:latin typeface="Times New Roman" panose="02020603050405020304" pitchFamily="18" charset="0"/>
+              <a:cs typeface="Times New Roman" panose="02020603050405020304" pitchFamily="18" charset="0"/>
+            </a:endParaRPr>
+          </a:p>
+          <a:p>
+            <a:r>
+              <a:rPr lang="ru-RU" sz="2800" dirty="0" err="1" smtClean="0">
+                <a:latin typeface="Times New Roman" panose="02020603050405020304" pitchFamily="18" charset="0"/>
+                <a:cs typeface="Times New Roman" panose="02020603050405020304" pitchFamily="18" charset="0"/>
+              </a:rPr>
+              <a:t>Репозиторий</a:t>
+            </a:r>
+            <a:r>
+              <a:rPr lang="ru-RU" sz="2800" dirty="0" smtClean="0">
+                <a:latin typeface="Times New Roman" panose="02020603050405020304" pitchFamily="18" charset="0"/>
+                <a:cs typeface="Times New Roman" panose="02020603050405020304" pitchFamily="18" charset="0"/>
+              </a:rPr>
+              <a:t> </a:t>
+            </a:r>
+            <a:r>
+              <a:rPr lang="en-US" sz="2800" b="1" i="1" dirty="0" err="1" smtClean="0">
+                <a:latin typeface="Times New Roman" panose="02020603050405020304" pitchFamily="18" charset="0"/>
+                <a:cs typeface="Times New Roman" panose="02020603050405020304" pitchFamily="18" charset="0"/>
+              </a:rPr>
+              <a:t>Git</a:t>
+            </a:r>
+            <a:r>
+              <a:rPr lang="ru-RU" sz="2800" b="1" i="1" dirty="0" smtClean="0">
+                <a:latin typeface="Times New Roman" panose="02020603050405020304" pitchFamily="18" charset="0"/>
+                <a:cs typeface="Times New Roman" panose="02020603050405020304" pitchFamily="18" charset="0"/>
+              </a:rPr>
+              <a:t> </a:t>
+            </a:r>
+            <a:r>
+              <a:rPr lang="ru-RU" sz="2800" dirty="0" smtClean="0">
+                <a:latin typeface="Times New Roman" panose="02020603050405020304" pitchFamily="18" charset="0"/>
+                <a:cs typeface="Times New Roman" panose="02020603050405020304" pitchFamily="18" charset="0"/>
+              </a:rPr>
+              <a:t>для взаимодействия участников команды</a:t>
             </a:r>
             <a:endParaRPr lang="ru-RU" sz="2800" dirty="0" smtClean="0">
               <a:latin typeface="Times New Roman" panose="02020603050405020304" pitchFamily="18" charset="0"/>
@@ -7378,64 +7515,16 @@
           </a:p>
           <a:p>
             <a:r>
-              <a:rPr lang="en-US" sz="2800" dirty="0" err="1" smtClean="0">
-                <a:latin typeface="Times New Roman" panose="02020603050405020304" pitchFamily="18" charset="0"/>
-                <a:cs typeface="Times New Roman" panose="02020603050405020304" pitchFamily="18" charset="0"/>
-              </a:rPr>
-              <a:t>Pycharm</a:t>
-            </a:r>
-            <a:r>
-              <a:rPr lang="en-US" sz="2800" dirty="0" smtClean="0">
-                <a:latin typeface="Times New Roman" panose="02020603050405020304" pitchFamily="18" charset="0"/>
-                <a:cs typeface="Times New Roman" panose="02020603050405020304" pitchFamily="18" charset="0"/>
-              </a:rPr>
-              <a:t>, </a:t>
-            </a:r>
-            <a:r>
               <a:rPr lang="ru-RU" sz="2800" dirty="0" smtClean="0">
                 <a:latin typeface="Times New Roman" panose="02020603050405020304" pitchFamily="18" charset="0"/>
                 <a:cs typeface="Times New Roman" panose="02020603050405020304" pitchFamily="18" charset="0"/>
               </a:rPr>
-              <a:t>как среда разработки</a:t>
-            </a:r>
-          </a:p>
-          <a:p>
-            <a:r>
-              <a:rPr lang="en-US" sz="2800" dirty="0" smtClean="0">
-                <a:latin typeface="Times New Roman" panose="02020603050405020304" pitchFamily="18" charset="0"/>
-                <a:cs typeface="Times New Roman" panose="02020603050405020304" pitchFamily="18" charset="0"/>
-              </a:rPr>
-              <a:t>GitHub </a:t>
-            </a:r>
-            <a:r>
-              <a:rPr lang="ru-RU" sz="2800" dirty="0" smtClean="0">
-                <a:latin typeface="Times New Roman" panose="02020603050405020304" pitchFamily="18" charset="0"/>
-                <a:cs typeface="Times New Roman" panose="02020603050405020304" pitchFamily="18" charset="0"/>
-              </a:rPr>
-              <a:t>для обмена кодом и созданием игры</a:t>
-            </a:r>
-            <a:endParaRPr lang="en-US" sz="2800" dirty="0" smtClean="0">
+              <a:t>Графическая составляющая игры была взята с открытых источников</a:t>
+            </a:r>
+            <a:endParaRPr lang="ru-RU" sz="2800" dirty="0" smtClean="0">
               <a:latin typeface="Times New Roman" panose="02020603050405020304" pitchFamily="18" charset="0"/>
               <a:cs typeface="Times New Roman" panose="02020603050405020304" pitchFamily="18" charset="0"/>
             </a:endParaRPr>
-          </a:p>
-          <a:p>
-            <a:r>
-              <a:rPr lang="ru-RU" sz="2800" dirty="0" smtClean="0">
-                <a:latin typeface="Times New Roman" panose="02020603050405020304" pitchFamily="18" charset="0"/>
-                <a:cs typeface="Times New Roman" panose="02020603050405020304" pitchFamily="18" charset="0"/>
-              </a:rPr>
-              <a:t>Изученные при учебе знания</a:t>
-            </a:r>
-          </a:p>
-          <a:p>
-            <a:r>
-              <a:rPr lang="ru-RU" sz="2800" dirty="0" smtClean="0">
-                <a:latin typeface="Times New Roman" panose="02020603050405020304" pitchFamily="18" charset="0"/>
-                <a:cs typeface="Times New Roman" panose="02020603050405020304" pitchFamily="18" charset="0"/>
-              </a:rPr>
-              <a:t>Картинки для игры были взяты из открытых источников интернета</a:t>
-            </a:r>
           </a:p>
           <a:p>
             <a:endParaRPr lang="ru-RU" sz="2800" dirty="0" smtClean="0">
@@ -7510,7 +7599,667 @@
             <p:ph type="title"/>
           </p:nvPr>
         </p:nvSpPr>
-        <p:spPr/>
+        <p:spPr>
+          <a:xfrm>
+            <a:off x="2239018" y="349837"/>
+            <a:ext cx="7729728" cy="1188720"/>
+          </a:xfrm>
+        </p:spPr>
+        <p:txBody>
+          <a:bodyPr/>
+          <a:lstStyle/>
+          <a:p>
+            <a:r>
+              <a:rPr lang="ru-RU" i="1" dirty="0" smtClean="0">
+                <a:effectLst>
+                  <a:outerShdw blurRad="38100" dist="38100" dir="2700000" algn="tl">
+                    <a:srgbClr val="000000">
+                      <a:alpha val="43137"/>
+                    </a:srgbClr>
+                  </a:outerShdw>
+                </a:effectLst>
+              </a:rPr>
+              <a:t>Основные правила игры</a:t>
+            </a:r>
+            <a:endParaRPr lang="ru-RU" i="1" dirty="0">
+              <a:effectLst>
+                <a:outerShdw blurRad="38100" dist="38100" dir="2700000" algn="tl">
+                  <a:srgbClr val="000000">
+                    <a:alpha val="43137"/>
+                  </a:srgbClr>
+                </a:outerShdw>
+              </a:effectLst>
+            </a:endParaRPr>
+          </a:p>
+        </p:txBody>
+      </p:sp>
+      <p:sp>
+        <p:nvSpPr>
+          <p:cNvPr id="3" name="Объект 2"/>
+          <p:cNvSpPr>
+            <a:spLocks noGrp="1"/>
+          </p:cNvSpPr>
+          <p:nvPr>
+            <p:ph idx="1"/>
+          </p:nvPr>
+        </p:nvSpPr>
+        <p:spPr>
+          <a:xfrm>
+            <a:off x="544225" y="1763058"/>
+            <a:ext cx="10704471" cy="3101983"/>
+          </a:xfrm>
+        </p:spPr>
+        <p:txBody>
+          <a:bodyPr>
+            <a:normAutofit/>
+          </a:bodyPr>
+          <a:lstStyle/>
+          <a:p>
+            <a:r>
+              <a:rPr lang="ru-RU" sz="2000" dirty="0" smtClean="0"/>
+              <a:t>Суть игры заключается в постройке сооружений для набора как можно большего кол-ва очков</a:t>
+            </a:r>
+          </a:p>
+          <a:p>
+            <a:r>
+              <a:rPr lang="ru-RU" sz="2000" b="1" i="1" u="sng" dirty="0" smtClean="0"/>
+              <a:t>Взаимодействуют</a:t>
+            </a:r>
+            <a:r>
+              <a:rPr lang="ru-RU" sz="2000" dirty="0" smtClean="0"/>
+              <a:t> только поля имеющие хотя бы одну общую точку (см.р.2)</a:t>
+            </a:r>
+          </a:p>
+          <a:p>
+            <a:r>
+              <a:rPr lang="ru-RU" sz="2000" dirty="0" smtClean="0"/>
+              <a:t>Уровень считается </a:t>
+            </a:r>
+            <a:r>
+              <a:rPr lang="ru-RU" sz="2000" u="sng" dirty="0" smtClean="0"/>
+              <a:t>пройденным</a:t>
+            </a:r>
+            <a:r>
+              <a:rPr lang="ru-RU" sz="2000" dirty="0" smtClean="0"/>
+              <a:t> когда набрано достаточное кол-во очков</a:t>
+            </a:r>
+          </a:p>
+          <a:p>
+            <a:r>
+              <a:rPr lang="ru-RU" sz="2000" dirty="0" smtClean="0"/>
+              <a:t>Кол-во построек на каждый уровень </a:t>
+            </a:r>
+            <a:r>
+              <a:rPr lang="ru-RU" sz="2000" b="1" i="1" dirty="0" smtClean="0"/>
+              <a:t>ограничено</a:t>
+            </a:r>
+          </a:p>
+        </p:txBody>
+      </p:sp>
+      <p:pic>
+        <p:nvPicPr>
+          <p:cNvPr id="2050" name="Picture 2"/>
+          <p:cNvPicPr>
+            <a:picLocks noChangeAspect="1" noChangeArrowheads="1"/>
+          </p:cNvPicPr>
+          <p:nvPr/>
+        </p:nvPicPr>
+        <p:blipFill>
+          <a:blip r:embed="rId2">
+            <a:extLst>
+              <a:ext uri="{28A0092B-C50C-407E-A947-70E740481C1C}">
+                <a14:useLocalDpi xmlns:a14="http://schemas.microsoft.com/office/drawing/2010/main" val="0"/>
+              </a:ext>
+            </a:extLst>
+          </a:blip>
+          <a:srcRect/>
+          <a:stretch>
+            <a:fillRect/>
+          </a:stretch>
+        </p:blipFill>
+        <p:spPr bwMode="auto">
+          <a:xfrm>
+            <a:off x="526900" y="4047692"/>
+            <a:ext cx="2633115" cy="2511853"/>
+          </a:xfrm>
+          <a:prstGeom prst="rect">
+            <a:avLst/>
+          </a:prstGeom>
+          <a:noFill/>
+          <a:ln>
+            <a:noFill/>
+          </a:ln>
+          <a:effectLst/>
+          <a:extLst>
+            <a:ext uri="{909E8E84-426E-40DD-AFC4-6F175D3DCCD1}">
+              <a14:hiddenFill xmlns:a14="http://schemas.microsoft.com/office/drawing/2010/main">
+                <a:solidFill>
+                  <a:schemeClr val="accent1"/>
+                </a:solidFill>
+              </a14:hiddenFill>
+            </a:ext>
+            <a:ext uri="{91240B29-F687-4F45-9708-019B960494DF}">
+              <a14:hiddenLine xmlns:a14="http://schemas.microsoft.com/office/drawing/2010/main" w="9525">
+                <a:solidFill>
+                  <a:schemeClr val="tx1"/>
+                </a:solidFill>
+                <a:miter lim="800000"/>
+                <a:headEnd/>
+                <a:tailEnd/>
+              </a14:hiddenLine>
+            </a:ext>
+            <a:ext uri="{AF507438-7753-43E0-B8FC-AC1667EBCBE1}">
+              <a14:hiddenEffects xmlns:a14="http://schemas.microsoft.com/office/drawing/2010/main">
+                <a:effectLst>
+                  <a:outerShdw dist="35921" dir="2700000" algn="ctr" rotWithShape="0">
+                    <a:schemeClr val="bg2"/>
+                  </a:outerShdw>
+                </a:effectLst>
+              </a14:hiddenEffects>
+            </a:ext>
+          </a:extLst>
+        </p:spPr>
+      </p:pic>
+      <p:sp>
+        <p:nvSpPr>
+          <p:cNvPr id="4" name="TextBox 3"/>
+          <p:cNvSpPr txBox="1"/>
+          <p:nvPr/>
+        </p:nvSpPr>
+        <p:spPr>
+          <a:xfrm>
+            <a:off x="3325279" y="4051529"/>
+            <a:ext cx="704039" cy="338554"/>
+          </a:xfrm>
+          <a:prstGeom prst="rect">
+            <a:avLst/>
+          </a:prstGeom>
+          <a:noFill/>
+        </p:spPr>
+        <p:txBody>
+          <a:bodyPr wrap="none" rtlCol="0">
+            <a:spAutoFit/>
+          </a:bodyPr>
+          <a:lstStyle/>
+          <a:p>
+            <a:r>
+              <a:rPr lang="ru-RU" sz="1600" dirty="0" smtClean="0">
+                <a:solidFill>
+                  <a:schemeClr val="bg1">
+                    <a:lumMod val="50000"/>
+                  </a:schemeClr>
+                </a:solidFill>
+              </a:rPr>
+              <a:t>Рис. </a:t>
+            </a:r>
+            <a:r>
+              <a:rPr lang="ru-RU" sz="1600" dirty="0">
+                <a:solidFill>
+                  <a:schemeClr val="bg1">
+                    <a:lumMod val="50000"/>
+                  </a:schemeClr>
+                </a:solidFill>
+              </a:rPr>
+              <a:t>2</a:t>
+            </a:r>
+          </a:p>
+        </p:txBody>
+      </p:sp>
+    </p:spTree>
+    <p:extLst>
+      <p:ext uri="{BB962C8B-B14F-4D97-AF65-F5344CB8AC3E}">
+        <p14:creationId xmlns:p14="http://schemas.microsoft.com/office/powerpoint/2010/main" val="344704663"/>
+      </p:ext>
+    </p:extLst>
+  </p:cSld>
+  <p:clrMapOvr>
+    <a:masterClrMapping/>
+  </p:clrMapOvr>
+</p:sld>
+</file>
+
+<file path=ppt/slides/slide6.xml><?xml version="1.0" encoding="utf-8"?>
+<p:sld xmlns:a="http://schemas.openxmlformats.org/drawingml/2006/main" xmlns:r="http://schemas.openxmlformats.org/officeDocument/2006/relationships" xmlns:p="http://schemas.openxmlformats.org/presentationml/2006/main">
+  <p:cSld>
+    <p:spTree>
+      <p:nvGrpSpPr>
+        <p:cNvPr id="1" name=""/>
+        <p:cNvGrpSpPr/>
+        <p:nvPr/>
+      </p:nvGrpSpPr>
+      <p:grpSpPr>
+        <a:xfrm>
+          <a:off x="0" y="0"/>
+          <a:ext cx="0" cy="0"/>
+          <a:chOff x="0" y="0"/>
+          <a:chExt cx="0" cy="0"/>
+        </a:xfrm>
+      </p:grpSpPr>
+      <p:sp>
+        <p:nvSpPr>
+          <p:cNvPr id="2" name="Заголовок 1"/>
+          <p:cNvSpPr>
+            <a:spLocks noGrp="1"/>
+          </p:cNvSpPr>
+          <p:nvPr>
+            <p:ph type="title"/>
+          </p:nvPr>
+        </p:nvSpPr>
+        <p:spPr>
+          <a:xfrm>
+            <a:off x="2215370" y="389250"/>
+            <a:ext cx="7729728" cy="1188720"/>
+          </a:xfrm>
+        </p:spPr>
+        <p:txBody>
+          <a:bodyPr/>
+          <a:lstStyle/>
+          <a:p>
+            <a:r>
+              <a:rPr lang="ru-RU" i="1" dirty="0" smtClean="0">
+                <a:effectLst>
+                  <a:outerShdw blurRad="38100" dist="38100" dir="2700000" algn="tl">
+                    <a:srgbClr val="000000">
+                      <a:alpha val="43137"/>
+                    </a:srgbClr>
+                  </a:outerShdw>
+                </a:effectLst>
+              </a:rPr>
+              <a:t>Механика построек и их взаимодействия с </a:t>
+            </a:r>
+            <a:r>
+              <a:rPr lang="ru-RU" i="1" dirty="0" err="1" smtClean="0">
+                <a:effectLst>
+                  <a:outerShdw blurRad="38100" dist="38100" dir="2700000" algn="tl">
+                    <a:srgbClr val="000000">
+                      <a:alpha val="43137"/>
+                    </a:srgbClr>
+                  </a:outerShdw>
+                </a:effectLst>
+              </a:rPr>
+              <a:t>тайлами</a:t>
+            </a:r>
+            <a:endParaRPr lang="ru-RU" i="1" dirty="0">
+              <a:effectLst>
+                <a:outerShdw blurRad="38100" dist="38100" dir="2700000" algn="tl">
+                  <a:srgbClr val="000000">
+                    <a:alpha val="43137"/>
+                  </a:srgbClr>
+                </a:outerShdw>
+              </a:effectLst>
+            </a:endParaRPr>
+          </a:p>
+        </p:txBody>
+      </p:sp>
+      <p:sp>
+        <p:nvSpPr>
+          <p:cNvPr id="3" name="Объект 2"/>
+          <p:cNvSpPr>
+            <a:spLocks noGrp="1"/>
+          </p:cNvSpPr>
+          <p:nvPr>
+            <p:ph idx="1"/>
+          </p:nvPr>
+        </p:nvSpPr>
+        <p:spPr>
+          <a:xfrm>
+            <a:off x="494417" y="1841887"/>
+            <a:ext cx="10013300" cy="3101983"/>
+          </a:xfrm>
+        </p:spPr>
+        <p:txBody>
+          <a:bodyPr>
+            <a:normAutofit/>
+          </a:bodyPr>
+          <a:lstStyle/>
+          <a:p>
+            <a:r>
+              <a:rPr lang="ru-RU" sz="2000" dirty="0" smtClean="0"/>
+              <a:t>Каждая постройка может как </a:t>
+            </a:r>
+            <a:r>
+              <a:rPr lang="ru-RU" sz="2000" b="1" i="1" u="sng" dirty="0" smtClean="0"/>
+              <a:t>прибавить</a:t>
+            </a:r>
+            <a:r>
+              <a:rPr lang="ru-RU" sz="2000" dirty="0" smtClean="0"/>
+              <a:t> очки так и </a:t>
+            </a:r>
+            <a:r>
+              <a:rPr lang="ru-RU" sz="2000" b="1" i="1" u="sng" dirty="0" smtClean="0"/>
+              <a:t>отнять </a:t>
+            </a:r>
+            <a:r>
+              <a:rPr lang="ru-RU" sz="2000" dirty="0" smtClean="0"/>
+              <a:t>в зависимости от клеток  поблизости например на рис. 1 показано взаимодействие </a:t>
+            </a:r>
+            <a:r>
+              <a:rPr lang="ru-RU" sz="2000" i="1" dirty="0" smtClean="0"/>
+              <a:t>церкви</a:t>
+            </a:r>
+            <a:r>
+              <a:rPr lang="ru-RU" sz="2000" dirty="0" smtClean="0"/>
+              <a:t> с клетками поблизости. Подробнее про каждую постройку можно прочитать в </a:t>
+            </a:r>
+            <a:r>
+              <a:rPr lang="ru-RU" sz="2000" i="1" dirty="0" smtClean="0"/>
+              <a:t>пояснительной записке.</a:t>
+            </a:r>
+            <a:endParaRPr lang="ru-RU" sz="2000" b="1" i="1" u="sng" dirty="0"/>
+          </a:p>
+        </p:txBody>
+      </p:sp>
+      <p:pic>
+        <p:nvPicPr>
+          <p:cNvPr id="1026" name="Picture 2"/>
+          <p:cNvPicPr>
+            <a:picLocks noChangeAspect="1" noChangeArrowheads="1"/>
+          </p:cNvPicPr>
+          <p:nvPr/>
+        </p:nvPicPr>
+        <p:blipFill>
+          <a:blip r:embed="rId2">
+            <a:extLst>
+              <a:ext uri="{28A0092B-C50C-407E-A947-70E740481C1C}">
+                <a14:useLocalDpi xmlns:a14="http://schemas.microsoft.com/office/drawing/2010/main" val="0"/>
+              </a:ext>
+            </a:extLst>
+          </a:blip>
+          <a:srcRect/>
+          <a:stretch>
+            <a:fillRect/>
+          </a:stretch>
+        </p:blipFill>
+        <p:spPr bwMode="auto">
+          <a:xfrm>
+            <a:off x="575715" y="3160002"/>
+            <a:ext cx="3405077" cy="3255732"/>
+          </a:xfrm>
+          <a:prstGeom prst="rect">
+            <a:avLst/>
+          </a:prstGeom>
+          <a:noFill/>
+          <a:ln>
+            <a:noFill/>
+          </a:ln>
+          <a:effectLst/>
+          <a:extLst>
+            <a:ext uri="{909E8E84-426E-40DD-AFC4-6F175D3DCCD1}">
+              <a14:hiddenFill xmlns:a14="http://schemas.microsoft.com/office/drawing/2010/main">
+                <a:solidFill>
+                  <a:schemeClr val="accent1"/>
+                </a:solidFill>
+              </a14:hiddenFill>
+            </a:ext>
+            <a:ext uri="{91240B29-F687-4F45-9708-019B960494DF}">
+              <a14:hiddenLine xmlns:a14="http://schemas.microsoft.com/office/drawing/2010/main" w="9525">
+                <a:solidFill>
+                  <a:schemeClr val="tx1"/>
+                </a:solidFill>
+                <a:miter lim="800000"/>
+                <a:headEnd/>
+                <a:tailEnd/>
+              </a14:hiddenLine>
+            </a:ext>
+            <a:ext uri="{AF507438-7753-43E0-B8FC-AC1667EBCBE1}">
+              <a14:hiddenEffects xmlns:a14="http://schemas.microsoft.com/office/drawing/2010/main">
+                <a:effectLst>
+                  <a:outerShdw dist="35921" dir="2700000" algn="ctr" rotWithShape="0">
+                    <a:schemeClr val="bg2"/>
+                  </a:outerShdw>
+                </a:effectLst>
+              </a14:hiddenEffects>
+            </a:ext>
+          </a:extLst>
+        </p:spPr>
+      </p:pic>
+      <p:sp>
+        <p:nvSpPr>
+          <p:cNvPr id="4" name="TextBox 3"/>
+          <p:cNvSpPr txBox="1"/>
+          <p:nvPr/>
+        </p:nvSpPr>
+        <p:spPr>
+          <a:xfrm>
+            <a:off x="3980792" y="3160002"/>
+            <a:ext cx="1505608" cy="1077218"/>
+          </a:xfrm>
+          <a:prstGeom prst="rect">
+            <a:avLst/>
+          </a:prstGeom>
+          <a:noFill/>
+        </p:spPr>
+        <p:txBody>
+          <a:bodyPr wrap="square" rtlCol="0">
+            <a:spAutoFit/>
+          </a:bodyPr>
+          <a:lstStyle/>
+          <a:p>
+            <a:r>
+              <a:rPr lang="ru-RU" sz="1600" dirty="0" smtClean="0">
+                <a:solidFill>
+                  <a:schemeClr val="bg1">
+                    <a:lumMod val="50000"/>
+                  </a:schemeClr>
+                </a:solidFill>
+              </a:rPr>
+              <a:t>Рис. 1</a:t>
+            </a:r>
+          </a:p>
+          <a:p>
+            <a:r>
+              <a:rPr lang="ru-RU" sz="1600" dirty="0" smtClean="0">
+                <a:solidFill>
+                  <a:schemeClr val="bg1">
+                    <a:lumMod val="50000"/>
+                  </a:schemeClr>
+                </a:solidFill>
+              </a:rPr>
+              <a:t>Кор. – церковь</a:t>
+            </a:r>
+          </a:p>
+          <a:p>
+            <a:r>
+              <a:rPr lang="ru-RU" sz="1600" dirty="0" smtClean="0">
+                <a:solidFill>
+                  <a:schemeClr val="bg1">
+                    <a:lumMod val="50000"/>
+                  </a:schemeClr>
+                </a:solidFill>
+              </a:rPr>
+              <a:t>Черный – дом</a:t>
+            </a:r>
+          </a:p>
+          <a:p>
+            <a:r>
+              <a:rPr lang="ru-RU" sz="1600" dirty="0" smtClean="0">
+                <a:solidFill>
+                  <a:schemeClr val="bg1">
+                    <a:lumMod val="50000"/>
+                  </a:schemeClr>
+                </a:solidFill>
+              </a:rPr>
+              <a:t>Серый - замок</a:t>
+            </a:r>
+            <a:endParaRPr lang="ru-RU" sz="1600" dirty="0">
+              <a:solidFill>
+                <a:schemeClr val="bg1">
+                  <a:lumMod val="50000"/>
+                </a:schemeClr>
+              </a:solidFill>
+            </a:endParaRPr>
+          </a:p>
+        </p:txBody>
+      </p:sp>
+    </p:spTree>
+    <p:extLst>
+      <p:ext uri="{BB962C8B-B14F-4D97-AF65-F5344CB8AC3E}">
+        <p14:creationId xmlns:p14="http://schemas.microsoft.com/office/powerpoint/2010/main" val="1527778566"/>
+      </p:ext>
+    </p:extLst>
+  </p:cSld>
+  <p:clrMapOvr>
+    <a:masterClrMapping/>
+  </p:clrMapOvr>
+  <p:timing>
+    <p:tnLst>
+      <p:par>
+        <p:cTn id="1" dur="indefinite" restart="never" nodeType="tmRoot"/>
+      </p:par>
+    </p:tnLst>
+  </p:timing>
+</p:sld>
+</file>
+
+<file path=ppt/slides/slide7.xml><?xml version="1.0" encoding="utf-8"?>
+<p:sld xmlns:a="http://schemas.openxmlformats.org/drawingml/2006/main" xmlns:r="http://schemas.openxmlformats.org/officeDocument/2006/relationships" xmlns:p="http://schemas.openxmlformats.org/presentationml/2006/main">
+  <p:cSld>
+    <p:spTree>
+      <p:nvGrpSpPr>
+        <p:cNvPr id="1" name=""/>
+        <p:cNvGrpSpPr/>
+        <p:nvPr/>
+      </p:nvGrpSpPr>
+      <p:grpSpPr>
+        <a:xfrm>
+          <a:off x="0" y="0"/>
+          <a:ext cx="0" cy="0"/>
+          <a:chOff x="0" y="0"/>
+          <a:chExt cx="0" cy="0"/>
+        </a:xfrm>
+      </p:grpSpPr>
+      <p:sp>
+        <p:nvSpPr>
+          <p:cNvPr id="2" name="Заголовок 1"/>
+          <p:cNvSpPr>
+            <a:spLocks noGrp="1"/>
+          </p:cNvSpPr>
+          <p:nvPr>
+            <p:ph type="title"/>
+          </p:nvPr>
+        </p:nvSpPr>
+        <p:spPr>
+          <a:xfrm>
+            <a:off x="2239019" y="318306"/>
+            <a:ext cx="7729728" cy="1188720"/>
+          </a:xfrm>
+        </p:spPr>
+        <p:txBody>
+          <a:bodyPr/>
+          <a:lstStyle/>
+          <a:p>
+            <a:r>
+              <a:rPr lang="ru-RU" i="1" dirty="0" smtClean="0">
+                <a:effectLst>
+                  <a:outerShdw blurRad="38100" dist="38100" dir="2700000" algn="tl">
+                    <a:srgbClr val="000000">
+                      <a:alpha val="43137"/>
+                    </a:srgbClr>
+                  </a:outerShdw>
+                </a:effectLst>
+              </a:rPr>
+              <a:t>Направления доработки проекта</a:t>
+            </a:r>
+            <a:endParaRPr lang="ru-RU" i="1" dirty="0">
+              <a:effectLst>
+                <a:outerShdw blurRad="38100" dist="38100" dir="2700000" algn="tl">
+                  <a:srgbClr val="000000">
+                    <a:alpha val="43137"/>
+                  </a:srgbClr>
+                </a:outerShdw>
+              </a:effectLst>
+            </a:endParaRPr>
+          </a:p>
+        </p:txBody>
+      </p:sp>
+      <p:sp>
+        <p:nvSpPr>
+          <p:cNvPr id="3" name="Объект 2"/>
+          <p:cNvSpPr>
+            <a:spLocks noGrp="1"/>
+          </p:cNvSpPr>
+          <p:nvPr>
+            <p:ph idx="1"/>
+          </p:nvPr>
+        </p:nvSpPr>
+        <p:spPr>
+          <a:xfrm>
+            <a:off x="749178" y="2306968"/>
+            <a:ext cx="7729728" cy="3101983"/>
+          </a:xfrm>
+        </p:spPr>
+        <p:txBody>
+          <a:bodyPr>
+            <a:noAutofit/>
+          </a:bodyPr>
+          <a:lstStyle/>
+          <a:p>
+            <a:r>
+              <a:rPr lang="ru-RU" sz="2800" dirty="0" smtClean="0"/>
+              <a:t>Возможность вывода локальной таблицы лидеров по уровням</a:t>
+            </a:r>
+          </a:p>
+          <a:p>
+            <a:r>
+              <a:rPr lang="ru-RU" sz="2800" dirty="0" smtClean="0"/>
+              <a:t>Добавление новых уровней</a:t>
+            </a:r>
+          </a:p>
+          <a:p>
+            <a:r>
+              <a:rPr lang="ru-RU" sz="2800" dirty="0" smtClean="0"/>
+              <a:t>Усложнение механики взаимодействия клеток (слайд 6) например добавлением новых игровых элементов</a:t>
+            </a:r>
+            <a:endParaRPr lang="ru-RU" sz="2800" dirty="0"/>
+          </a:p>
+        </p:txBody>
+      </p:sp>
+    </p:spTree>
+    <p:extLst>
+      <p:ext uri="{BB962C8B-B14F-4D97-AF65-F5344CB8AC3E}">
+        <p14:creationId xmlns:p14="http://schemas.microsoft.com/office/powerpoint/2010/main" val="3249806220"/>
+      </p:ext>
+    </p:extLst>
+  </p:cSld>
+  <p:clrMapOvr>
+    <a:masterClrMapping/>
+  </p:clrMapOvr>
+</p:sld>
+</file>
+
+<file path=ppt/slides/slide8.xml><?xml version="1.0" encoding="utf-8"?>
+<p:sld xmlns:a="http://schemas.openxmlformats.org/drawingml/2006/main" xmlns:r="http://schemas.openxmlformats.org/officeDocument/2006/relationships" xmlns:p="http://schemas.openxmlformats.org/presentationml/2006/main">
+  <p:cSld>
+    <p:spTree>
+      <p:nvGrpSpPr>
+        <p:cNvPr id="1" name=""/>
+        <p:cNvGrpSpPr/>
+        <p:nvPr/>
+      </p:nvGrpSpPr>
+      <p:grpSpPr>
+        <a:xfrm>
+          <a:off x="0" y="0"/>
+          <a:ext cx="0" cy="0"/>
+          <a:chOff x="0" y="0"/>
+          <a:chExt cx="0" cy="0"/>
+        </a:xfrm>
+      </p:grpSpPr>
+      <p:sp>
+        <p:nvSpPr>
+          <p:cNvPr id="2" name="Заголовок 1"/>
+          <p:cNvSpPr>
+            <a:spLocks noGrp="1"/>
+          </p:cNvSpPr>
+          <p:nvPr>
+            <p:ph type="title"/>
+          </p:nvPr>
+        </p:nvSpPr>
+        <p:spPr>
+          <a:xfrm>
+            <a:off x="2025869" y="1568669"/>
+            <a:ext cx="8297602" cy="3657599"/>
+          </a:xfrm>
+        </p:spPr>
         <p:txBody>
           <a:bodyPr>
             <a:normAutofit/>
@@ -7539,115 +8288,6 @@
                   </a:srgbClr>
                 </a:outerShdw>
               </a:effectLst>
-              <a:latin typeface="Times New Roman" panose="02020603050405020304" pitchFamily="18" charset="0"/>
-              <a:cs typeface="Times New Roman" panose="02020603050405020304" pitchFamily="18" charset="0"/>
-            </a:endParaRPr>
-          </a:p>
-        </p:txBody>
-      </p:sp>
-      <p:sp>
-        <p:nvSpPr>
-          <p:cNvPr id="3" name="Объект 2"/>
-          <p:cNvSpPr>
-            <a:spLocks noGrp="1"/>
-          </p:cNvSpPr>
-          <p:nvPr>
-            <p:ph idx="1"/>
-          </p:nvPr>
-        </p:nvSpPr>
-        <p:spPr>
-          <a:xfrm>
-            <a:off x="867294" y="3042457"/>
-            <a:ext cx="10457411" cy="3005140"/>
-          </a:xfrm>
-        </p:spPr>
-        <p:txBody>
-          <a:bodyPr>
-            <a:normAutofit/>
-          </a:bodyPr>
-          <a:lstStyle/>
-          <a:p>
-            <a:pPr marL="0" indent="0">
-              <a:buNone/>
-            </a:pPr>
-            <a:r>
-              <a:rPr lang="ru-RU" sz="2800" dirty="0" smtClean="0">
-                <a:latin typeface="Times New Roman" panose="02020603050405020304" pitchFamily="18" charset="0"/>
-                <a:cs typeface="Times New Roman" panose="02020603050405020304" pitchFamily="18" charset="0"/>
-              </a:rPr>
-              <a:t>На данном моменте </a:t>
-            </a:r>
-            <a:r>
-              <a:rPr lang="ru-RU" sz="2800" dirty="0">
-                <a:latin typeface="Times New Roman" panose="02020603050405020304" pitchFamily="18" charset="0"/>
-                <a:cs typeface="Times New Roman" panose="02020603050405020304" pitchFamily="18" charset="0"/>
-              </a:rPr>
-              <a:t>я</a:t>
-            </a:r>
-            <a:r>
-              <a:rPr lang="ru-RU" sz="2800" dirty="0" smtClean="0">
-                <a:latin typeface="Times New Roman" panose="02020603050405020304" pitchFamily="18" charset="0"/>
-                <a:cs typeface="Times New Roman" panose="02020603050405020304" pitchFamily="18" charset="0"/>
-              </a:rPr>
-              <a:t> хочу </a:t>
-            </a:r>
-            <a:r>
-              <a:rPr lang="ru-RU" sz="2800" dirty="0" smtClean="0">
-                <a:latin typeface="Times New Roman" panose="02020603050405020304" pitchFamily="18" charset="0"/>
-                <a:cs typeface="Times New Roman" panose="02020603050405020304" pitchFamily="18" charset="0"/>
-              </a:rPr>
-              <a:t>закончить презентацию</a:t>
-            </a:r>
-            <a:r>
-              <a:rPr lang="en-US" sz="2800" dirty="0" smtClean="0">
-                <a:latin typeface="Times New Roman" panose="02020603050405020304" pitchFamily="18" charset="0"/>
-                <a:cs typeface="Times New Roman" panose="02020603050405020304" pitchFamily="18" charset="0"/>
-              </a:rPr>
-              <a:t>,</a:t>
-            </a:r>
-            <a:r>
-              <a:rPr lang="ru-RU" sz="2800" dirty="0" smtClean="0">
-                <a:latin typeface="Times New Roman" panose="02020603050405020304" pitchFamily="18" charset="0"/>
-                <a:cs typeface="Times New Roman" panose="02020603050405020304" pitchFamily="18" charset="0"/>
-              </a:rPr>
-              <a:t> и показать свой проект</a:t>
-            </a:r>
-            <a:r>
-              <a:rPr lang="en-US" sz="2800" dirty="0" smtClean="0">
-                <a:latin typeface="Times New Roman" panose="02020603050405020304" pitchFamily="18" charset="0"/>
-                <a:cs typeface="Times New Roman" panose="02020603050405020304" pitchFamily="18" charset="0"/>
-              </a:rPr>
-              <a:t>.</a:t>
-            </a:r>
-            <a:r>
-              <a:rPr lang="ru-RU" sz="2800" dirty="0">
-                <a:latin typeface="Times New Roman" panose="02020603050405020304" pitchFamily="18" charset="0"/>
-                <a:cs typeface="Times New Roman" panose="02020603050405020304" pitchFamily="18" charset="0"/>
-              </a:rPr>
-              <a:t> </a:t>
-            </a:r>
-            <a:r>
-              <a:rPr lang="ru-RU" sz="2800" dirty="0" smtClean="0">
-                <a:latin typeface="Times New Roman" panose="02020603050405020304" pitchFamily="18" charset="0"/>
-                <a:cs typeface="Times New Roman" panose="02020603050405020304" pitchFamily="18" charset="0"/>
-              </a:rPr>
-              <a:t>Надеемся он </a:t>
-            </a:r>
-            <a:r>
-              <a:rPr lang="ru-RU" sz="2800" smtClean="0">
-                <a:latin typeface="Times New Roman" panose="02020603050405020304" pitchFamily="18" charset="0"/>
-                <a:cs typeface="Times New Roman" panose="02020603050405020304" pitchFamily="18" charset="0"/>
-              </a:rPr>
-              <a:t>вам </a:t>
-            </a:r>
-            <a:r>
-              <a:rPr lang="ru-RU" sz="2800" smtClean="0">
-                <a:latin typeface="Times New Roman" panose="02020603050405020304" pitchFamily="18" charset="0"/>
-                <a:cs typeface="Times New Roman" panose="02020603050405020304" pitchFamily="18" charset="0"/>
-              </a:rPr>
-              <a:t>понравится</a:t>
-            </a:r>
-            <a:endParaRPr lang="ru-RU" sz="2800" dirty="0">
               <a:latin typeface="Times New Roman" panose="02020603050405020304" pitchFamily="18" charset="0"/>
               <a:cs typeface="Times New Roman" panose="02020603050405020304" pitchFamily="18" charset="0"/>
             </a:endParaRPr>
@@ -7940,7 +8580,7 @@
   <a:extraClrSchemeLst/>
   <a:extLst>
     <a:ext uri="{05A4C25C-085E-4340-85A3-A5531E510DB2}">
-      <thm15:themeFamily xmlns:thm15="http://schemas.microsoft.com/office/thememl/2012/main" name="Parcel" id="{8BEC4385-4EB9-4D53-BFB5-0EA123736B6D}" vid="{4DB32801-28C0-48B0-8C1D-A9A58613615A}"/>
+      <thm15:themeFamily xmlns:thm15="http://schemas.microsoft.com/office/thememl/2012/main" xmlns="" name="Parcel" id="{8BEC4385-4EB9-4D53-BFB5-0EA123736B6D}" vid="{4DB32801-28C0-48B0-8C1D-A9A58613615A}"/>
     </a:ext>
   </a:extLst>
 </a:theme>
@@ -8200,7 +8840,7 @@
   <a:extraClrSchemeLst/>
   <a:extLst>
     <a:ext uri="{05A4C25C-085E-4340-85A3-A5531E510DB2}">
-      <thm15:themeFamily xmlns:thm15="http://schemas.microsoft.com/office/thememl/2012/main" name="Parcel" id="{8BEC4385-4EB9-4D53-BFB5-0EA123736B6D}" vid="{4DB32801-28C0-48B0-8C1D-A9A58613615A}"/>
+      <thm15:themeFamily xmlns:thm15="http://schemas.microsoft.com/office/thememl/2012/main" xmlns="" name="Parcel" id="{8BEC4385-4EB9-4D53-BFB5-0EA123736B6D}" vid="{4DB32801-28C0-48B0-8C1D-A9A58613615A}"/>
     </a:ext>
   </a:extLst>
 </a:theme>
